--- a/slides/19-recursion-pt1.pptx
+++ b/slides/19-recursion-pt1.pptx
@@ -5,31 +5,30 @@
     <p:sldMasterId id="2147483852" r:id="rId1"/>
   </p:sldMasterIdLst>
   <p:notesMasterIdLst>
-    <p:notesMasterId r:id="rId24"/>
+    <p:notesMasterId r:id="rId23"/>
   </p:notesMasterIdLst>
   <p:sldIdLst>
     <p:sldId id="256" r:id="rId2"/>
     <p:sldId id="335" r:id="rId3"/>
     <p:sldId id="336" r:id="rId4"/>
-    <p:sldId id="344" r:id="rId5"/>
-    <p:sldId id="338" r:id="rId6"/>
-    <p:sldId id="337" r:id="rId7"/>
-    <p:sldId id="339" r:id="rId8"/>
-    <p:sldId id="340" r:id="rId9"/>
-    <p:sldId id="341" r:id="rId10"/>
-    <p:sldId id="342" r:id="rId11"/>
-    <p:sldId id="343" r:id="rId12"/>
-    <p:sldId id="345" r:id="rId13"/>
-    <p:sldId id="346" r:id="rId14"/>
-    <p:sldId id="347" r:id="rId15"/>
-    <p:sldId id="348" r:id="rId16"/>
-    <p:sldId id="349" r:id="rId17"/>
-    <p:sldId id="350" r:id="rId18"/>
-    <p:sldId id="351" r:id="rId19"/>
-    <p:sldId id="353" r:id="rId20"/>
-    <p:sldId id="354" r:id="rId21"/>
-    <p:sldId id="352" r:id="rId22"/>
-    <p:sldId id="358" r:id="rId23"/>
+    <p:sldId id="338" r:id="rId5"/>
+    <p:sldId id="337" r:id="rId6"/>
+    <p:sldId id="339" r:id="rId7"/>
+    <p:sldId id="340" r:id="rId8"/>
+    <p:sldId id="341" r:id="rId9"/>
+    <p:sldId id="342" r:id="rId10"/>
+    <p:sldId id="343" r:id="rId11"/>
+    <p:sldId id="345" r:id="rId12"/>
+    <p:sldId id="346" r:id="rId13"/>
+    <p:sldId id="347" r:id="rId14"/>
+    <p:sldId id="348" r:id="rId15"/>
+    <p:sldId id="349" r:id="rId16"/>
+    <p:sldId id="350" r:id="rId17"/>
+    <p:sldId id="351" r:id="rId18"/>
+    <p:sldId id="353" r:id="rId19"/>
+    <p:sldId id="354" r:id="rId20"/>
+    <p:sldId id="352" r:id="rId21"/>
+    <p:sldId id="358" r:id="rId22"/>
   </p:sldIdLst>
   <p:sldSz cx="12192000" cy="6858000"/>
   <p:notesSz cx="6858000" cy="9144000"/>
@@ -218,7 +217,7 @@
           <a:p>
             <a:fld id="{3CBB8A52-8AC5-C74C-97FB-632C448F3674}" type="datetimeFigureOut">
               <a:rPr lang="en-US" smtClean="0"/>
-              <a:t>10/30/23</a:t>
+              <a:t>2/26/24</a:t>
             </a:fld>
             <a:endParaRPr lang="en-US"/>
           </a:p>
@@ -550,7 +549,7 @@
           <a:p>
             <a:fld id="{77F12483-E947-6F4E-A75E-B2E677827779}" type="slidenum">
               <a:rPr lang="en-US" smtClean="0"/>
-              <a:t>5</a:t>
+              <a:t>4</a:t>
             </a:fld>
             <a:endParaRPr lang="en-US"/>
           </a:p>
@@ -634,7 +633,7 @@
           <a:p>
             <a:fld id="{77F12483-E947-6F4E-A75E-B2E677827779}" type="slidenum">
               <a:rPr lang="en-US" smtClean="0"/>
-              <a:t>18</a:t>
+              <a:t>17</a:t>
             </a:fld>
             <a:endParaRPr lang="en-US"/>
           </a:p>
@@ -734,7 +733,7 @@
           <a:p>
             <a:fld id="{77F12483-E947-6F4E-A75E-B2E677827779}" type="slidenum">
               <a:rPr lang="en-US" smtClean="0"/>
-              <a:t>22</a:t>
+              <a:t>21</a:t>
             </a:fld>
             <a:endParaRPr lang="en-US"/>
           </a:p>
@@ -978,7 +977,7 @@
             <a:fld id="{5586B75A-687E-405C-8A0B-8D00578BA2C3}" type="datetimeFigureOut">
               <a:rPr lang="en-US" smtClean="0"/>
               <a:pPr/>
-              <a:t>10/30/23</a:t>
+              <a:t>2/26/24</a:t>
             </a:fld>
             <a:endParaRPr lang="en-US" dirty="0"/>
           </a:p>
@@ -1150,7 +1149,7 @@
             <a:fld id="{5586B75A-687E-405C-8A0B-8D00578BA2C3}" type="datetimeFigureOut">
               <a:rPr lang="en-US" smtClean="0"/>
               <a:pPr/>
-              <a:t>10/30/23</a:t>
+              <a:t>2/26/24</a:t>
             </a:fld>
             <a:endParaRPr lang="en-US" dirty="0"/>
           </a:p>
@@ -1332,7 +1331,7 @@
             <a:fld id="{5586B75A-687E-405C-8A0B-8D00578BA2C3}" type="datetimeFigureOut">
               <a:rPr lang="en-US" smtClean="0"/>
               <a:pPr/>
-              <a:t>10/30/23</a:t>
+              <a:t>2/26/24</a:t>
             </a:fld>
             <a:endParaRPr lang="en-US" dirty="0"/>
           </a:p>
@@ -1504,7 +1503,7 @@
             <a:fld id="{5586B75A-687E-405C-8A0B-8D00578BA2C3}" type="datetimeFigureOut">
               <a:rPr lang="en-US" smtClean="0"/>
               <a:pPr/>
-              <a:t>10/30/23</a:t>
+              <a:t>2/26/24</a:t>
             </a:fld>
             <a:endParaRPr lang="en-US" dirty="0"/>
           </a:p>
@@ -1760,7 +1759,7 @@
             <a:fld id="{5586B75A-687E-405C-8A0B-8D00578BA2C3}" type="datetimeFigureOut">
               <a:rPr lang="en-US" smtClean="0"/>
               <a:pPr/>
-              <a:t>10/30/23</a:t>
+              <a:t>2/26/24</a:t>
             </a:fld>
             <a:endParaRPr lang="en-US" dirty="0"/>
           </a:p>
@@ -2050,7 +2049,7 @@
             <a:fld id="{5586B75A-687E-405C-8A0B-8D00578BA2C3}" type="datetimeFigureOut">
               <a:rPr lang="en-US" smtClean="0"/>
               <a:pPr/>
-              <a:t>10/30/23</a:t>
+              <a:t>2/26/24</a:t>
             </a:fld>
             <a:endParaRPr lang="en-US" dirty="0"/>
           </a:p>
@@ -2494,7 +2493,7 @@
             <a:fld id="{5586B75A-687E-405C-8A0B-8D00578BA2C3}" type="datetimeFigureOut">
               <a:rPr lang="en-US" smtClean="0"/>
               <a:pPr/>
-              <a:t>10/30/23</a:t>
+              <a:t>2/26/24</a:t>
             </a:fld>
             <a:endParaRPr lang="en-US" dirty="0"/>
           </a:p>
@@ -2614,7 +2613,7 @@
             <a:fld id="{5586B75A-687E-405C-8A0B-8D00578BA2C3}" type="datetimeFigureOut">
               <a:rPr lang="en-US" smtClean="0"/>
               <a:pPr/>
-              <a:t>10/30/23</a:t>
+              <a:t>2/26/24</a:t>
             </a:fld>
             <a:endParaRPr lang="en-US" dirty="0"/>
           </a:p>
@@ -2711,7 +2710,7 @@
             <a:fld id="{5586B75A-687E-405C-8A0B-8D00578BA2C3}" type="datetimeFigureOut">
               <a:rPr lang="en-US" smtClean="0"/>
               <a:pPr/>
-              <a:t>10/30/23</a:t>
+              <a:t>2/26/24</a:t>
             </a:fld>
             <a:endParaRPr lang="en-US" dirty="0"/>
           </a:p>
@@ -3001,7 +3000,7 @@
             <a:fld id="{5586B75A-687E-405C-8A0B-8D00578BA2C3}" type="datetimeFigureOut">
               <a:rPr lang="en-US" smtClean="0"/>
               <a:pPr/>
-              <a:t>10/30/23</a:t>
+              <a:t>2/26/24</a:t>
             </a:fld>
             <a:endParaRPr lang="en-US" dirty="0"/>
           </a:p>
@@ -3276,7 +3275,7 @@
             <a:fld id="{5586B75A-687E-405C-8A0B-8D00578BA2C3}" type="datetimeFigureOut">
               <a:rPr lang="en-US" smtClean="0"/>
               <a:pPr/>
-              <a:t>10/30/23</a:t>
+              <a:t>2/26/24</a:t>
             </a:fld>
             <a:endParaRPr lang="en-US" dirty="0"/>
           </a:p>
@@ -3575,7 +3574,7 @@
             <a:fld id="{5586B75A-687E-405C-8A0B-8D00578BA2C3}" type="datetimeFigureOut">
               <a:rPr lang="en-US" smtClean="0"/>
               <a:pPr/>
-              <a:t>10/30/23</a:t>
+              <a:t>2/26/24</a:t>
             </a:fld>
             <a:endParaRPr lang="en-US" dirty="0"/>
           </a:p>
@@ -4219,439 +4218,6 @@
         </p:blipFill>
         <p:spPr>
           <a:xfrm>
-            <a:off x="4678796" y="2368550"/>
-            <a:ext cx="5549900" cy="2120900"/>
-          </a:xfrm>
-          <a:prstGeom prst="rect">
-            <a:avLst/>
-          </a:prstGeom>
-        </p:spPr>
-      </p:pic>
-      <p:sp>
-        <p:nvSpPr>
-          <p:cNvPr id="5" name="Rectangle 4">
-            <a:extLst>
-              <a:ext uri="{FF2B5EF4-FFF2-40B4-BE49-F238E27FC236}">
-                <a16:creationId xmlns:a16="http://schemas.microsoft.com/office/drawing/2014/main" id="{8D9320D7-819D-3A4D-BB36-7134D00219AE}"/>
-              </a:ext>
-            </a:extLst>
-          </p:cNvPr>
-          <p:cNvSpPr/>
-          <p:nvPr/>
-        </p:nvSpPr>
-        <p:spPr>
-          <a:xfrm>
-            <a:off x="4678797" y="2368551"/>
-            <a:ext cx="1557915" cy="1473119"/>
-          </a:xfrm>
-          <a:prstGeom prst="rect">
-            <a:avLst/>
-          </a:prstGeom>
-          <a:solidFill>
-            <a:schemeClr val="bg1"/>
-          </a:solidFill>
-          <a:ln>
-            <a:noFill/>
-          </a:ln>
-        </p:spPr>
-        <p:style>
-          <a:lnRef idx="2">
-            <a:schemeClr val="accent1">
-              <a:shade val="50000"/>
-            </a:schemeClr>
-          </a:lnRef>
-          <a:fillRef idx="1">
-            <a:schemeClr val="accent1"/>
-          </a:fillRef>
-          <a:effectRef idx="0">
-            <a:schemeClr val="accent1"/>
-          </a:effectRef>
-          <a:fontRef idx="minor">
-            <a:schemeClr val="lt1"/>
-          </a:fontRef>
-        </p:style>
-        <p:txBody>
-          <a:bodyPr rtlCol="0" anchor="ctr"/>
-          <a:lstStyle/>
-          <a:p>
-            <a:pPr algn="ctr"/>
-            <a:endParaRPr lang="en-US"/>
-          </a:p>
-        </p:txBody>
-      </p:sp>
-      <p:sp>
-        <p:nvSpPr>
-          <p:cNvPr id="9" name="Rectangle 8">
-            <a:extLst>
-              <a:ext uri="{FF2B5EF4-FFF2-40B4-BE49-F238E27FC236}">
-                <a16:creationId xmlns:a16="http://schemas.microsoft.com/office/drawing/2014/main" id="{14B6385D-11C7-3D47-BB95-014FC475EBED}"/>
-              </a:ext>
-            </a:extLst>
-          </p:cNvPr>
-          <p:cNvSpPr/>
-          <p:nvPr/>
-        </p:nvSpPr>
-        <p:spPr>
-          <a:xfrm>
-            <a:off x="6674789" y="2766952"/>
-            <a:ext cx="1557915" cy="1074716"/>
-          </a:xfrm>
-          <a:prstGeom prst="rect">
-            <a:avLst/>
-          </a:prstGeom>
-          <a:solidFill>
-            <a:schemeClr val="bg1"/>
-          </a:solidFill>
-          <a:ln>
-            <a:noFill/>
-          </a:ln>
-        </p:spPr>
-        <p:style>
-          <a:lnRef idx="2">
-            <a:schemeClr val="accent1">
-              <a:shade val="50000"/>
-            </a:schemeClr>
-          </a:lnRef>
-          <a:fillRef idx="1">
-            <a:schemeClr val="accent1"/>
-          </a:fillRef>
-          <a:effectRef idx="0">
-            <a:schemeClr val="accent1"/>
-          </a:effectRef>
-          <a:fontRef idx="minor">
-            <a:schemeClr val="lt1"/>
-          </a:fontRef>
-        </p:style>
-        <p:txBody>
-          <a:bodyPr rtlCol="0" anchor="ctr"/>
-          <a:lstStyle/>
-          <a:p>
-            <a:pPr algn="ctr"/>
-            <a:endParaRPr lang="en-US"/>
-          </a:p>
-        </p:txBody>
-      </p:sp>
-      <p:pic>
-        <p:nvPicPr>
-          <p:cNvPr id="6" name="Picture 5">
-            <a:extLst>
-              <a:ext uri="{FF2B5EF4-FFF2-40B4-BE49-F238E27FC236}">
-                <a16:creationId xmlns:a16="http://schemas.microsoft.com/office/drawing/2014/main" id="{9F78F41A-81B8-154D-8136-D222E3297CDE}"/>
-              </a:ext>
-            </a:extLst>
-          </p:cNvPr>
-          <p:cNvPicPr>
-            <a:picLocks noChangeAspect="1"/>
-          </p:cNvPicPr>
-          <p:nvPr/>
-        </p:nvPicPr>
-        <p:blipFill rotWithShape="1">
-          <a:blip r:embed="rId2">
-            <a:clrChange>
-              <a:clrFrom>
-                <a:srgbClr val="FFFFFF"/>
-              </a:clrFrom>
-              <a:clrTo>
-                <a:srgbClr val="FFFFFF">
-                  <a:alpha val="0"/>
-                </a:srgbClr>
-              </a:clrTo>
-            </a:clrChange>
-          </a:blip>
-          <a:srcRect l="1859" t="5540" r="74971" b="43788"/>
-          <a:stretch/>
-        </p:blipFill>
-        <p:spPr>
-          <a:xfrm>
-            <a:off x="6779226" y="2766953"/>
-            <a:ext cx="1285875" cy="1074717"/>
-          </a:xfrm>
-          <a:prstGeom prst="rect">
-            <a:avLst/>
-          </a:prstGeom>
-          <a:effectLst>
-            <a:glow rad="101600">
-              <a:srgbClr val="FF9100">
-                <a:alpha val="60000"/>
-              </a:srgbClr>
-            </a:glow>
-          </a:effectLst>
-        </p:spPr>
-      </p:pic>
-      <p:pic>
-        <p:nvPicPr>
-          <p:cNvPr id="10" name="Picture 9">
-            <a:extLst>
-              <a:ext uri="{FF2B5EF4-FFF2-40B4-BE49-F238E27FC236}">
-                <a16:creationId xmlns:a16="http://schemas.microsoft.com/office/drawing/2014/main" id="{6E08034D-738A-A348-B660-E0F8252E68C5}"/>
-              </a:ext>
-            </a:extLst>
-          </p:cNvPr>
-          <p:cNvPicPr>
-            <a:picLocks noChangeAspect="1"/>
-          </p:cNvPicPr>
-          <p:nvPr/>
-        </p:nvPicPr>
-        <p:blipFill rotWithShape="1">
-          <a:blip r:embed="rId2"/>
-          <a:srcRect l="81922" t="1" r="1" b="30541"/>
-          <a:stretch/>
-        </p:blipFill>
-        <p:spPr>
-          <a:xfrm>
-            <a:off x="5233411" y="2368551"/>
-            <a:ext cx="1003300" cy="1473119"/>
-          </a:xfrm>
-          <a:prstGeom prst="rect">
-            <a:avLst/>
-          </a:prstGeom>
-        </p:spPr>
-      </p:pic>
-      <p:pic>
-        <p:nvPicPr>
-          <p:cNvPr id="8" name="Picture 7">
-            <a:extLst>
-              <a:ext uri="{FF2B5EF4-FFF2-40B4-BE49-F238E27FC236}">
-                <a16:creationId xmlns:a16="http://schemas.microsoft.com/office/drawing/2014/main" id="{87F5DED9-7234-344B-88AA-DAE77032417D}"/>
-              </a:ext>
-            </a:extLst>
-          </p:cNvPr>
-          <p:cNvPicPr>
-            <a:picLocks noChangeAspect="1"/>
-          </p:cNvPicPr>
-          <p:nvPr/>
-        </p:nvPicPr>
-        <p:blipFill rotWithShape="1">
-          <a:blip r:embed="rId2"/>
-          <a:srcRect l="1880" t="57410" r="74199" b="30543"/>
-          <a:stretch/>
-        </p:blipFill>
-        <p:spPr>
-          <a:xfrm>
-            <a:off x="8764501" y="3586163"/>
-            <a:ext cx="1327604" cy="255507"/>
-          </a:xfrm>
-          <a:prstGeom prst="rect">
-            <a:avLst/>
-          </a:prstGeom>
-        </p:spPr>
-      </p:pic>
-      <p:sp>
-        <p:nvSpPr>
-          <p:cNvPr id="2" name="Title 1">
-            <a:extLst>
-              <a:ext uri="{FF2B5EF4-FFF2-40B4-BE49-F238E27FC236}">
-                <a16:creationId xmlns:a16="http://schemas.microsoft.com/office/drawing/2014/main" id="{02B878CA-875E-0C49-AA85-FA1C8FC43401}"/>
-              </a:ext>
-            </a:extLst>
-          </p:cNvPr>
-          <p:cNvSpPr>
-            <a:spLocks noGrp="1"/>
-          </p:cNvSpPr>
-          <p:nvPr>
-            <p:ph type="title"/>
-          </p:nvPr>
-        </p:nvSpPr>
-        <p:spPr/>
-        <p:txBody>
-          <a:bodyPr/>
-          <a:lstStyle/>
-          <a:p>
-            <a:r>
-              <a:rPr lang="en-US" dirty="0"/>
-              <a:t>Recursive Towers</a:t>
-            </a:r>
-          </a:p>
-        </p:txBody>
-      </p:sp>
-      <p:grpSp>
-        <p:nvGrpSpPr>
-          <p:cNvPr id="11" name="Group 10">
-            <a:extLst>
-              <a:ext uri="{FF2B5EF4-FFF2-40B4-BE49-F238E27FC236}">
-                <a16:creationId xmlns:a16="http://schemas.microsoft.com/office/drawing/2014/main" id="{D677E58B-81BF-0749-A816-8E0D6C338817}"/>
-              </a:ext>
-            </a:extLst>
-          </p:cNvPr>
-          <p:cNvGrpSpPr/>
-          <p:nvPr/>
-        </p:nvGrpSpPr>
-        <p:grpSpPr>
-          <a:xfrm>
-            <a:off x="5672901" y="2167203"/>
-            <a:ext cx="1726243" cy="1199497"/>
-            <a:chOff x="3138564" y="1295326"/>
-            <a:chExt cx="1726243" cy="1199497"/>
-          </a:xfrm>
-        </p:grpSpPr>
-        <p:sp>
-          <p:nvSpPr>
-            <p:cNvPr id="12" name="TextBox 11">
-              <a:extLst>
-                <a:ext uri="{FF2B5EF4-FFF2-40B4-BE49-F238E27FC236}">
-                  <a16:creationId xmlns:a16="http://schemas.microsoft.com/office/drawing/2014/main" id="{B9F214E2-4921-574A-93F5-6D4A01BD032D}"/>
-                </a:ext>
-              </a:extLst>
-            </p:cNvPr>
-            <p:cNvSpPr txBox="1"/>
-            <p:nvPr/>
-          </p:nvSpPr>
-          <p:spPr>
-            <a:xfrm>
-              <a:off x="3138564" y="1403488"/>
-              <a:ext cx="1241045" cy="584775"/>
-            </a:xfrm>
-            <a:prstGeom prst="rect">
-              <a:avLst/>
-            </a:prstGeom>
-            <a:noFill/>
-          </p:spPr>
-          <p:txBody>
-            <a:bodyPr wrap="none" rtlCol="0">
-              <a:spAutoFit/>
-            </a:bodyPr>
-            <a:lstStyle/>
-            <a:p>
-              <a:pPr algn="ctr"/>
-              <a:r>
-                <a:rPr lang="en-US" sz="1600" dirty="0">
-                  <a:solidFill>
-                    <a:srgbClr val="003470"/>
-                  </a:solidFill>
-                </a:rPr>
-                <a:t>solve this</a:t>
-              </a:r>
-            </a:p>
-            <a:p>
-              <a:pPr algn="ctr"/>
-              <a:r>
-                <a:rPr lang="en-US" sz="1600" b="1" dirty="0">
-                  <a:solidFill>
-                    <a:srgbClr val="003470"/>
-                  </a:solidFill>
-                </a:rPr>
-                <a:t>subproblem</a:t>
-              </a:r>
-            </a:p>
-          </p:txBody>
-        </p:sp>
-        <p:sp>
-          <p:nvSpPr>
-            <p:cNvPr id="13" name="Circular Arrow 12">
-              <a:extLst>
-                <a:ext uri="{FF2B5EF4-FFF2-40B4-BE49-F238E27FC236}">
-                  <a16:creationId xmlns:a16="http://schemas.microsoft.com/office/drawing/2014/main" id="{AD88F282-91A0-DD42-9ED8-E36FFB010424}"/>
-                </a:ext>
-              </a:extLst>
-            </p:cNvPr>
-            <p:cNvSpPr/>
-            <p:nvPr/>
-          </p:nvSpPr>
-          <p:spPr>
-            <a:xfrm rot="16200000" flipH="1">
-              <a:off x="3662407" y="1292423"/>
-              <a:ext cx="1199497" cy="1205303"/>
-            </a:xfrm>
-            <a:prstGeom prst="circularArrow">
-              <a:avLst>
-                <a:gd name="adj1" fmla="val 1411"/>
-                <a:gd name="adj2" fmla="val 1563058"/>
-                <a:gd name="adj3" fmla="val 20880751"/>
-                <a:gd name="adj4" fmla="val 16659497"/>
-                <a:gd name="adj5" fmla="val 7233"/>
-              </a:avLst>
-            </a:prstGeom>
-            <a:solidFill>
-              <a:srgbClr val="003470"/>
-            </a:solidFill>
-            <a:ln cap="rnd">
-              <a:solidFill>
-                <a:srgbClr val="003470"/>
-              </a:solidFill>
-            </a:ln>
-          </p:spPr>
-          <p:style>
-            <a:lnRef idx="2">
-              <a:schemeClr val="accent1">
-                <a:shade val="50000"/>
-              </a:schemeClr>
-            </a:lnRef>
-            <a:fillRef idx="1">
-              <a:schemeClr val="accent1"/>
-            </a:fillRef>
-            <a:effectRef idx="0">
-              <a:schemeClr val="accent1"/>
-            </a:effectRef>
-            <a:fontRef idx="minor">
-              <a:schemeClr val="lt1"/>
-            </a:fontRef>
-          </p:style>
-          <p:txBody>
-            <a:bodyPr rtlCol="0" anchor="ctr"/>
-            <a:lstStyle/>
-            <a:p>
-              <a:pPr algn="ctr"/>
-              <a:endParaRPr lang="en-US" dirty="0">
-                <a:solidFill>
-                  <a:schemeClr val="tx1"/>
-                </a:solidFill>
-              </a:endParaRPr>
-            </a:p>
-          </p:txBody>
-        </p:sp>
-      </p:grpSp>
-    </p:spTree>
-    <p:extLst>
-      <p:ext uri="{BB962C8B-B14F-4D97-AF65-F5344CB8AC3E}">
-        <p14:creationId xmlns:p14="http://schemas.microsoft.com/office/powerpoint/2010/main" val="2490095949"/>
-      </p:ext>
-    </p:extLst>
-  </p:cSld>
-  <p:clrMapOvr>
-    <a:masterClrMapping/>
-  </p:clrMapOvr>
-</p:sld>
-</file>
-
-<file path=ppt/slides/slide11.xml><?xml version="1.0" encoding="utf-8"?>
-<p:sld xmlns:a="http://schemas.openxmlformats.org/drawingml/2006/main" xmlns:r="http://schemas.openxmlformats.org/officeDocument/2006/relationships" xmlns:p="http://schemas.openxmlformats.org/presentationml/2006/main">
-  <p:cSld>
-    <p:spTree>
-      <p:nvGrpSpPr>
-        <p:cNvPr id="1" name=""/>
-        <p:cNvGrpSpPr/>
-        <p:nvPr/>
-      </p:nvGrpSpPr>
-      <p:grpSpPr>
-        <a:xfrm>
-          <a:off x="0" y="0"/>
-          <a:ext cx="0" cy="0"/>
-          <a:chOff x="0" y="0"/>
-          <a:chExt cx="0" cy="0"/>
-        </a:xfrm>
-      </p:grpSpPr>
-      <p:pic>
-        <p:nvPicPr>
-          <p:cNvPr id="4" name="Picture 3">
-            <a:extLst>
-              <a:ext uri="{FF2B5EF4-FFF2-40B4-BE49-F238E27FC236}">
-                <a16:creationId xmlns:a16="http://schemas.microsoft.com/office/drawing/2014/main" id="{269B39A4-B0C8-3049-B008-306CB4647E4C}"/>
-              </a:ext>
-            </a:extLst>
-          </p:cNvPr>
-          <p:cNvPicPr>
-            <a:picLocks noChangeAspect="1"/>
-          </p:cNvPicPr>
-          <p:nvPr/>
-        </p:nvPicPr>
-        <p:blipFill>
-          <a:blip r:embed="rId2"/>
-          <a:stretch>
-            <a:fillRect/>
-          </a:stretch>
-        </p:blipFill>
-        <p:spPr>
-          <a:xfrm>
             <a:off x="4761923" y="2368550"/>
             <a:ext cx="5549900" cy="2120900"/>
           </a:xfrm>
@@ -4811,7 +4377,7 @@
 </p:sld>
 </file>
 
-<file path=ppt/slides/slide12.xml><?xml version="1.0" encoding="utf-8"?>
+<file path=ppt/slides/slide11.xml><?xml version="1.0" encoding="utf-8"?>
 <p:sld xmlns:a="http://schemas.openxmlformats.org/drawingml/2006/main" xmlns:r="http://schemas.openxmlformats.org/officeDocument/2006/relationships" xmlns:p="http://schemas.openxmlformats.org/presentationml/2006/main">
   <p:cSld>
     <p:spTree>
@@ -5069,6 +4635,44 @@
           </p:txBody>
         </p:sp>
       </p:grpSp>
+      <p:sp>
+        <p:nvSpPr>
+          <p:cNvPr id="3" name="Content Placeholder 2">
+            <a:extLst>
+              <a:ext uri="{FF2B5EF4-FFF2-40B4-BE49-F238E27FC236}">
+                <a16:creationId xmlns:a16="http://schemas.microsoft.com/office/drawing/2014/main" id="{A42CBBC3-BC94-9D4A-BAC8-CE040CA268D5}"/>
+              </a:ext>
+            </a:extLst>
+          </p:cNvPr>
+          <p:cNvSpPr>
+            <a:spLocks noGrp="1"/>
+          </p:cNvSpPr>
+          <p:nvPr>
+            <p:ph idx="1"/>
+          </p:nvPr>
+        </p:nvSpPr>
+        <p:spPr>
+          <a:xfrm>
+            <a:off x="3869268" y="864108"/>
+            <a:ext cx="7315200" cy="1199497"/>
+          </a:xfrm>
+        </p:spPr>
+        <p:txBody>
+          <a:bodyPr>
+            <a:normAutofit/>
+          </a:bodyPr>
+          <a:lstStyle/>
+          <a:p>
+            <a:pPr marL="0" indent="0" algn="ctr">
+              <a:buNone/>
+            </a:pPr>
+            <a:r>
+              <a:rPr lang="en-US" sz="2800" dirty="0"/>
+              <a:t>Back to this subproblem. We can think about it the same way</a:t>
+            </a:r>
+          </a:p>
+        </p:txBody>
+      </p:sp>
     </p:spTree>
     <p:extLst>
       <p:ext uri="{BB962C8B-B14F-4D97-AF65-F5344CB8AC3E}">
@@ -5082,7 +4686,7 @@
 </p:sld>
 </file>
 
-<file path=ppt/slides/slide13.xml><?xml version="1.0" encoding="utf-8"?>
+<file path=ppt/slides/slide12.xml><?xml version="1.0" encoding="utf-8"?>
 <p:sld xmlns:a="http://schemas.openxmlformats.org/drawingml/2006/main" xmlns:r="http://schemas.openxmlformats.org/officeDocument/2006/relationships" xmlns:p="http://schemas.openxmlformats.org/presentationml/2006/main">
   <p:cSld>
     <p:spTree>
@@ -5402,7 +5006,7 @@
 </p:sld>
 </file>
 
-<file path=ppt/slides/slide14.xml><?xml version="1.0" encoding="utf-8"?>
+<file path=ppt/slides/slide13.xml><?xml version="1.0" encoding="utf-8"?>
 <p:sld xmlns:a="http://schemas.openxmlformats.org/drawingml/2006/main" xmlns:r="http://schemas.openxmlformats.org/officeDocument/2006/relationships" xmlns:p="http://schemas.openxmlformats.org/presentationml/2006/main">
   <p:cSld>
     <p:spTree>
@@ -5713,7 +5317,7 @@
 </p:sld>
 </file>
 
-<file path=ppt/slides/slide15.xml><?xml version="1.0" encoding="utf-8"?>
+<file path=ppt/slides/slide14.xml><?xml version="1.0" encoding="utf-8"?>
 <p:sld xmlns:a="http://schemas.openxmlformats.org/drawingml/2006/main" xmlns:r="http://schemas.openxmlformats.org/officeDocument/2006/relationships" xmlns:p="http://schemas.openxmlformats.org/presentationml/2006/main">
   <p:cSld>
     <p:spTree>
@@ -6160,7 +5764,7 @@
 </p:sld>
 </file>
 
-<file path=ppt/slides/slide16.xml><?xml version="1.0" encoding="utf-8"?>
+<file path=ppt/slides/slide15.xml><?xml version="1.0" encoding="utf-8"?>
 <p:sld xmlns:a="http://schemas.openxmlformats.org/drawingml/2006/main" xmlns:r="http://schemas.openxmlformats.org/officeDocument/2006/relationships" xmlns:p="http://schemas.openxmlformats.org/presentationml/2006/main">
   <p:cSld>
     <p:spTree>
@@ -6487,7 +6091,7 @@
 </p:sld>
 </file>
 
-<file path=ppt/slides/slide17.xml><?xml version="1.0" encoding="utf-8"?>
+<file path=ppt/slides/slide16.xml><?xml version="1.0" encoding="utf-8"?>
 <p:sld xmlns:a="http://schemas.openxmlformats.org/drawingml/2006/main" xmlns:r="http://schemas.openxmlformats.org/officeDocument/2006/relationships" xmlns:p="http://schemas.openxmlformats.org/presentationml/2006/main">
   <p:cSld>
     <p:spTree>
@@ -6943,7 +6547,7 @@
 </p:sld>
 </file>
 
-<file path=ppt/slides/slide18.xml><?xml version="1.0" encoding="utf-8"?>
+<file path=ppt/slides/slide17.xml><?xml version="1.0" encoding="utf-8"?>
 <p:sld xmlns:a="http://schemas.openxmlformats.org/drawingml/2006/main" xmlns:r="http://schemas.openxmlformats.org/officeDocument/2006/relationships" xmlns:p="http://schemas.openxmlformats.org/presentationml/2006/main">
   <p:cSld>
     <p:spTree>
@@ -7128,7 +6732,7 @@
 </p:sld>
 </file>
 
-<file path=ppt/slides/slide19.xml><?xml version="1.0" encoding="utf-8"?>
+<file path=ppt/slides/slide18.xml><?xml version="1.0" encoding="utf-8"?>
 <p:sld xmlns:a="http://schemas.openxmlformats.org/drawingml/2006/main" xmlns:r="http://schemas.openxmlformats.org/officeDocument/2006/relationships" xmlns:p="http://schemas.openxmlformats.org/presentationml/2006/main">
   <p:cSld>
     <p:spTree>
@@ -7201,6 +6805,15 @@
             </a:pPr>
             <a:r>
               <a:rPr lang="en-US" sz="2800" dirty="0"/>
+              <a:t>Try the towers again. Start with one disk, then 2, then 3, …</a:t>
+            </a:r>
+          </a:p>
+          <a:p>
+            <a:pPr marL="0" indent="0" algn="ctr">
+              <a:buNone/>
+            </a:pPr>
+            <a:r>
+              <a:rPr lang="en-US" sz="2800" dirty="0"/>
               <a:t>How many </a:t>
             </a:r>
             <a:r>
@@ -7209,7 +6822,7 @@
             </a:r>
             <a:r>
               <a:rPr lang="en-US" sz="2800" dirty="0"/>
-              <a:t> does it take?</a:t>
+              <a:t> does it take to solve each version?</a:t>
             </a:r>
           </a:p>
         </p:txBody>
@@ -7227,107 +6840,7 @@
 </p:sld>
 </file>
 
-<file path=ppt/slides/slide2.xml><?xml version="1.0" encoding="utf-8"?>
-<p:sld xmlns:a="http://schemas.openxmlformats.org/drawingml/2006/main" xmlns:r="http://schemas.openxmlformats.org/officeDocument/2006/relationships" xmlns:p="http://schemas.openxmlformats.org/presentationml/2006/main">
-  <p:cSld>
-    <p:spTree>
-      <p:nvGrpSpPr>
-        <p:cNvPr id="1" name=""/>
-        <p:cNvGrpSpPr/>
-        <p:nvPr/>
-      </p:nvGrpSpPr>
-      <p:grpSpPr>
-        <a:xfrm>
-          <a:off x="0" y="0"/>
-          <a:ext cx="0" cy="0"/>
-          <a:chOff x="0" y="0"/>
-          <a:chExt cx="0" cy="0"/>
-        </a:xfrm>
-      </p:grpSpPr>
-      <p:sp>
-        <p:nvSpPr>
-          <p:cNvPr id="2" name="Title 1">
-            <a:extLst>
-              <a:ext uri="{FF2B5EF4-FFF2-40B4-BE49-F238E27FC236}">
-                <a16:creationId xmlns:a16="http://schemas.microsoft.com/office/drawing/2014/main" id="{BEA6A380-698D-F04F-898D-CC6BD20937D1}"/>
-              </a:ext>
-            </a:extLst>
-          </p:cNvPr>
-          <p:cNvSpPr>
-            <a:spLocks noGrp="1"/>
-          </p:cNvSpPr>
-          <p:nvPr>
-            <p:ph type="title"/>
-          </p:nvPr>
-        </p:nvSpPr>
-        <p:spPr/>
-        <p:txBody>
-          <a:bodyPr/>
-          <a:lstStyle/>
-          <a:p>
-            <a:r>
-              <a:rPr lang="en-US" dirty="0"/>
-              <a:t>Plan for Today</a:t>
-            </a:r>
-          </a:p>
-        </p:txBody>
-      </p:sp>
-      <p:sp>
-        <p:nvSpPr>
-          <p:cNvPr id="3" name="Content Placeholder 2">
-            <a:extLst>
-              <a:ext uri="{FF2B5EF4-FFF2-40B4-BE49-F238E27FC236}">
-                <a16:creationId xmlns:a16="http://schemas.microsoft.com/office/drawing/2014/main" id="{E5144880-6285-A04C-B6DB-BE442B8A2762}"/>
-              </a:ext>
-            </a:extLst>
-          </p:cNvPr>
-          <p:cNvSpPr>
-            <a:spLocks noGrp="1"/>
-          </p:cNvSpPr>
-          <p:nvPr>
-            <p:ph idx="1"/>
-          </p:nvPr>
-        </p:nvSpPr>
-        <p:spPr/>
-        <p:txBody>
-          <a:bodyPr>
-            <a:normAutofit/>
-          </a:bodyPr>
-          <a:lstStyle/>
-          <a:p>
-            <a:r>
-              <a:rPr lang="en-US" sz="2400" dirty="0"/>
-              <a:t>Motivating example: Towers of Hanoi</a:t>
-            </a:r>
-          </a:p>
-          <a:p>
-            <a:r>
-              <a:rPr lang="en-US" sz="2400" dirty="0"/>
-              <a:t>Tough problems, simple solutions</a:t>
-            </a:r>
-          </a:p>
-          <a:p>
-            <a:pPr marL="0" indent="0">
-              <a:buNone/>
-            </a:pPr>
-            <a:endParaRPr lang="en-US" sz="2400" dirty="0"/>
-          </a:p>
-        </p:txBody>
-      </p:sp>
-    </p:spTree>
-    <p:extLst>
-      <p:ext uri="{BB962C8B-B14F-4D97-AF65-F5344CB8AC3E}">
-        <p14:creationId xmlns:p14="http://schemas.microsoft.com/office/powerpoint/2010/main" val="973025610"/>
-      </p:ext>
-    </p:extLst>
-  </p:cSld>
-  <p:clrMapOvr>
-    <a:masterClrMapping/>
-  </p:clrMapOvr>
-</p:sld>
-</file>
-
-<file path=ppt/slides/slide20.xml><?xml version="1.0" encoding="utf-8"?>
+<file path=ppt/slides/slide19.xml><?xml version="1.0" encoding="utf-8"?>
 <p:sld xmlns:a="http://schemas.openxmlformats.org/drawingml/2006/main" xmlns:r="http://schemas.openxmlformats.org/officeDocument/2006/relationships" xmlns:p="http://schemas.openxmlformats.org/presentationml/2006/main">
   <p:cSld>
     <p:spTree>
@@ -8161,7 +7674,7 @@
 </p:sld>
 </file>
 
-<file path=ppt/slides/slide21.xml><?xml version="1.0" encoding="utf-8"?>
+<file path=ppt/slides/slide2.xml><?xml version="1.0" encoding="utf-8"?>
 <p:sld xmlns:a="http://schemas.openxmlformats.org/drawingml/2006/main" xmlns:r="http://schemas.openxmlformats.org/officeDocument/2006/relationships" xmlns:p="http://schemas.openxmlformats.org/presentationml/2006/main">
   <p:cSld>
     <p:spTree>
@@ -8183,6 +7696,106 @@
           <p:cNvPr id="2" name="Title 1">
             <a:extLst>
               <a:ext uri="{FF2B5EF4-FFF2-40B4-BE49-F238E27FC236}">
+                <a16:creationId xmlns:a16="http://schemas.microsoft.com/office/drawing/2014/main" id="{BEA6A380-698D-F04F-898D-CC6BD20937D1}"/>
+              </a:ext>
+            </a:extLst>
+          </p:cNvPr>
+          <p:cNvSpPr>
+            <a:spLocks noGrp="1"/>
+          </p:cNvSpPr>
+          <p:nvPr>
+            <p:ph type="title"/>
+          </p:nvPr>
+        </p:nvSpPr>
+        <p:spPr/>
+        <p:txBody>
+          <a:bodyPr/>
+          <a:lstStyle/>
+          <a:p>
+            <a:r>
+              <a:rPr lang="en-US" dirty="0"/>
+              <a:t>Plan for Today</a:t>
+            </a:r>
+          </a:p>
+        </p:txBody>
+      </p:sp>
+      <p:sp>
+        <p:nvSpPr>
+          <p:cNvPr id="3" name="Content Placeholder 2">
+            <a:extLst>
+              <a:ext uri="{FF2B5EF4-FFF2-40B4-BE49-F238E27FC236}">
+                <a16:creationId xmlns:a16="http://schemas.microsoft.com/office/drawing/2014/main" id="{E5144880-6285-A04C-B6DB-BE442B8A2762}"/>
+              </a:ext>
+            </a:extLst>
+          </p:cNvPr>
+          <p:cNvSpPr>
+            <a:spLocks noGrp="1"/>
+          </p:cNvSpPr>
+          <p:nvPr>
+            <p:ph idx="1"/>
+          </p:nvPr>
+        </p:nvSpPr>
+        <p:spPr/>
+        <p:txBody>
+          <a:bodyPr>
+            <a:normAutofit/>
+          </a:bodyPr>
+          <a:lstStyle/>
+          <a:p>
+            <a:r>
+              <a:rPr lang="en-US" sz="2400" dirty="0"/>
+              <a:t>Motivating example: Towers of Hanoi</a:t>
+            </a:r>
+          </a:p>
+          <a:p>
+            <a:r>
+              <a:rPr lang="en-US" sz="2400" dirty="0"/>
+              <a:t>Tough problems, simple solutions</a:t>
+            </a:r>
+          </a:p>
+          <a:p>
+            <a:pPr marL="0" indent="0">
+              <a:buNone/>
+            </a:pPr>
+            <a:endParaRPr lang="en-US" sz="2400" dirty="0"/>
+          </a:p>
+        </p:txBody>
+      </p:sp>
+    </p:spTree>
+    <p:extLst>
+      <p:ext uri="{BB962C8B-B14F-4D97-AF65-F5344CB8AC3E}">
+        <p14:creationId xmlns:p14="http://schemas.microsoft.com/office/powerpoint/2010/main" val="973025610"/>
+      </p:ext>
+    </p:extLst>
+  </p:cSld>
+  <p:clrMapOvr>
+    <a:masterClrMapping/>
+  </p:clrMapOvr>
+</p:sld>
+</file>
+
+<file path=ppt/slides/slide20.xml><?xml version="1.0" encoding="utf-8"?>
+<p:sld xmlns:a="http://schemas.openxmlformats.org/drawingml/2006/main" xmlns:r="http://schemas.openxmlformats.org/officeDocument/2006/relationships" xmlns:p="http://schemas.openxmlformats.org/presentationml/2006/main">
+  <p:cSld>
+    <p:spTree>
+      <p:nvGrpSpPr>
+        <p:cNvPr id="1" name=""/>
+        <p:cNvGrpSpPr/>
+        <p:nvPr/>
+      </p:nvGrpSpPr>
+      <p:grpSpPr>
+        <a:xfrm>
+          <a:off x="0" y="0"/>
+          <a:ext cx="0" cy="0"/>
+          <a:chOff x="0" y="0"/>
+          <a:chExt cx="0" cy="0"/>
+        </a:xfrm>
+      </p:grpSpPr>
+      <p:sp>
+        <p:nvSpPr>
+          <p:cNvPr id="2" name="Title 1">
+            <a:extLst>
+              <a:ext uri="{FF2B5EF4-FFF2-40B4-BE49-F238E27FC236}">
                 <a16:creationId xmlns:a16="http://schemas.microsoft.com/office/drawing/2014/main" id="{3EDE0882-2A44-A446-9D3E-B109CE663D94}"/>
               </a:ext>
             </a:extLst>
@@ -8263,7 +7876,7 @@
 </p:sld>
 </file>
 
-<file path=ppt/slides/slide22.xml><?xml version="1.0" encoding="utf-8"?>
+<file path=ppt/slides/slide21.xml><?xml version="1.0" encoding="utf-8"?>
 <p:sld xmlns:a="http://schemas.openxmlformats.org/drawingml/2006/main" xmlns:r="http://schemas.openxmlformats.org/officeDocument/2006/relationships" xmlns:p="http://schemas.openxmlformats.org/presentationml/2006/main">
   <p:cSld>
     <p:spTree>
@@ -8473,7 +8086,7 @@
         </p:blipFill>
         <p:spPr>
           <a:xfrm>
-            <a:off x="4748068" y="2368550"/>
+            <a:off x="4761923" y="498186"/>
             <a:ext cx="5549900" cy="2120900"/>
           </a:xfrm>
           <a:prstGeom prst="rect">
@@ -8481,42 +8094,12 @@
           </a:prstGeom>
         </p:spPr>
       </p:pic>
-    </p:spTree>
-    <p:extLst>
-      <p:ext uri="{BB962C8B-B14F-4D97-AF65-F5344CB8AC3E}">
-        <p14:creationId xmlns:p14="http://schemas.microsoft.com/office/powerpoint/2010/main" val="674657547"/>
-      </p:ext>
-    </p:extLst>
-  </p:cSld>
-  <p:clrMapOvr>
-    <a:masterClrMapping/>
-  </p:clrMapOvr>
-</p:sld>
-</file>
-
-<file path=ppt/slides/slide4.xml><?xml version="1.0" encoding="utf-8"?>
-<p:sld xmlns:a="http://schemas.openxmlformats.org/drawingml/2006/main" xmlns:r="http://schemas.openxmlformats.org/officeDocument/2006/relationships" xmlns:p="http://schemas.openxmlformats.org/presentationml/2006/main">
-  <p:cSld>
-    <p:spTree>
-      <p:nvGrpSpPr>
-        <p:cNvPr id="1" name=""/>
-        <p:cNvGrpSpPr/>
-        <p:nvPr/>
-      </p:nvGrpSpPr>
-      <p:grpSpPr>
-        <a:xfrm>
-          <a:off x="0" y="0"/>
-          <a:ext cx="0" cy="0"/>
-          <a:chOff x="0" y="0"/>
-          <a:chExt cx="0" cy="0"/>
-        </a:xfrm>
-      </p:grpSpPr>
-      <p:sp>
-        <p:nvSpPr>
-          <p:cNvPr id="2" name="Title 1">
+      <p:sp>
+        <p:nvSpPr>
+          <p:cNvPr id="6" name="Content Placeholder 2">
             <a:extLst>
               <a:ext uri="{FF2B5EF4-FFF2-40B4-BE49-F238E27FC236}">
-                <a16:creationId xmlns:a16="http://schemas.microsoft.com/office/drawing/2014/main" id="{4C90DFBB-DFCF-854E-AF96-962BE1FADED3}"/>
+                <a16:creationId xmlns:a16="http://schemas.microsoft.com/office/drawing/2014/main" id="{4291E81A-1EB9-F6C8-F5B5-D9DB206C1F4D}"/>
               </a:ext>
             </a:extLst>
           </p:cNvPr>
@@ -8524,38 +8107,15 @@
             <a:spLocks noGrp="1"/>
           </p:cNvSpPr>
           <p:nvPr>
-            <p:ph type="title"/>
-          </p:nvPr>
-        </p:nvSpPr>
-        <p:spPr/>
-        <p:txBody>
-          <a:bodyPr/>
-          <a:lstStyle/>
-          <a:p>
-            <a:r>
-              <a:rPr lang="en-US" dirty="0"/>
-              <a:t>Rules of the game</a:t>
-            </a:r>
-          </a:p>
-        </p:txBody>
-      </p:sp>
-      <p:sp>
-        <p:nvSpPr>
-          <p:cNvPr id="3" name="Content Placeholder 2">
-            <a:extLst>
-              <a:ext uri="{FF2B5EF4-FFF2-40B4-BE49-F238E27FC236}">
-                <a16:creationId xmlns:a16="http://schemas.microsoft.com/office/drawing/2014/main" id="{3DE4662D-47B5-A447-9D93-6E4FD8C57241}"/>
-              </a:ext>
-            </a:extLst>
-          </p:cNvPr>
-          <p:cNvSpPr>
-            <a:spLocks noGrp="1"/>
-          </p:cNvSpPr>
-          <p:nvPr>
             <p:ph idx="1"/>
           </p:nvPr>
         </p:nvSpPr>
-        <p:spPr/>
+        <p:spPr>
+          <a:xfrm>
+            <a:off x="3879273" y="2994152"/>
+            <a:ext cx="7315200" cy="3365662"/>
+          </a:xfrm>
+        </p:spPr>
         <p:txBody>
           <a:bodyPr>
             <a:normAutofit/>
@@ -8564,6 +8124,12 @@
           <a:p>
             <a:r>
               <a:rPr lang="en-US" sz="2400" dirty="0"/>
+              <a:t>Move the tower from A to C</a:t>
+            </a:r>
+          </a:p>
+          <a:p>
+            <a:r>
+              <a:rPr lang="en-US" sz="2400" dirty="0"/>
               <a:t>You can only move </a:t>
             </a:r>
             <a:r>
@@ -8608,7 +8174,7 @@
     </p:spTree>
     <p:extLst>
       <p:ext uri="{BB962C8B-B14F-4D97-AF65-F5344CB8AC3E}">
-        <p14:creationId xmlns:p14="http://schemas.microsoft.com/office/powerpoint/2010/main" val="1861077684"/>
+        <p14:creationId xmlns:p14="http://schemas.microsoft.com/office/powerpoint/2010/main" val="674657547"/>
       </p:ext>
     </p:extLst>
   </p:cSld>
@@ -8652,7 +8218,58 @@
                                           </p:stCondLst>
                                         </p:cTn>
                                         <p:tgtEl>
-                                          <p:spTgt spid="3">
+                                          <p:spTgt spid="6">
+                                            <p:txEl>
+                                              <p:pRg st="1" end="1"/>
+                                            </p:txEl>
+                                          </p:spTgt>
+                                        </p:tgtEl>
+                                        <p:attrNameLst>
+                                          <p:attrName>style.visibility</p:attrName>
+                                        </p:attrNameLst>
+                                      </p:cBhvr>
+                                      <p:to>
+                                        <p:strVal val="visible"/>
+                                      </p:to>
+                                    </p:set>
+                                  </p:childTnLst>
+                                  <p:subTnLst>
+                                    <p:animClr clrSpc="rgb" dir="cw">
+                                      <p:cBhvr override="childStyle">
+                                        <p:cTn dur="1" fill="hold" display="0" masterRel="nextClick" afterEffect="1"/>
+                                        <p:tgtEl>
+                                          <p:spTgt spid="6">
+                                            <p:txEl>
+                                              <p:pRg st="1" end="1"/>
+                                            </p:txEl>
+                                          </p:spTgt>
+                                        </p:tgtEl>
+                                        <p:attrNameLst>
+                                          <p:attrName>ppt_c</p:attrName>
+                                        </p:attrNameLst>
+                                      </p:cBhvr>
+                                      <p:to>
+                                        <a:srgbClr val="A9A9A9"/>
+                                      </p:to>
+                                    </p:animClr>
+                                  </p:subTnLst>
+                                </p:cTn>
+                              </p:par>
+                              <p:par>
+                                <p:cTn id="7" presetID="1" presetClass="entr" presetSubtype="0" fill="hold" nodeType="withEffect">
+                                  <p:stCondLst>
+                                    <p:cond delay="0"/>
+                                  </p:stCondLst>
+                                  <p:childTnLst>
+                                    <p:set>
+                                      <p:cBhvr>
+                                        <p:cTn id="8" dur="1" fill="hold">
+                                          <p:stCondLst>
+                                            <p:cond delay="0"/>
+                                          </p:stCondLst>
+                                        </p:cTn>
+                                        <p:tgtEl>
+                                          <p:spTgt spid="6">
                                             <p:txEl>
                                               <p:pRg st="0" end="0"/>
                                             </p:txEl>
@@ -8672,7 +8289,7 @@
                                       <p:cBhvr override="childStyle">
                                         <p:cTn dur="1" fill="hold" display="0" masterRel="nextClick" afterEffect="1"/>
                                         <p:tgtEl>
-                                          <p:spTgt spid="3">
+                                          <p:spTgt spid="6">
                                             <p:txEl>
                                               <p:pRg st="0" end="0"/>
                                             </p:txEl>
@@ -8696,34 +8313,34 @@
                     </p:cTn>
                   </p:par>
                   <p:par>
-                    <p:cTn id="7" fill="hold">
+                    <p:cTn id="9" fill="hold">
                       <p:stCondLst>
                         <p:cond delay="indefinite"/>
                       </p:stCondLst>
                       <p:childTnLst>
                         <p:par>
-                          <p:cTn id="8" fill="hold">
+                          <p:cTn id="10" fill="hold">
                             <p:stCondLst>
                               <p:cond delay="0"/>
                             </p:stCondLst>
                             <p:childTnLst>
                               <p:par>
-                                <p:cTn id="9" presetID="1" presetClass="entr" presetSubtype="0" fill="hold" nodeType="clickEffect">
+                                <p:cTn id="11" presetID="1" presetClass="entr" presetSubtype="0" fill="hold" nodeType="clickEffect">
                                   <p:stCondLst>
                                     <p:cond delay="0"/>
                                   </p:stCondLst>
                                   <p:childTnLst>
                                     <p:set>
                                       <p:cBhvr>
-                                        <p:cTn id="10" dur="1" fill="hold">
+                                        <p:cTn id="12" dur="1" fill="hold">
                                           <p:stCondLst>
                                             <p:cond delay="0"/>
                                           </p:stCondLst>
                                         </p:cTn>
                                         <p:tgtEl>
-                                          <p:spTgt spid="3">
+                                          <p:spTgt spid="6">
                                             <p:txEl>
-                                              <p:pRg st="1" end="1"/>
+                                              <p:pRg st="2" end="2"/>
                                             </p:txEl>
                                           </p:spTgt>
                                         </p:tgtEl>
@@ -8741,9 +8358,9 @@
                                       <p:cBhvr override="childStyle">
                                         <p:cTn dur="1" fill="hold" display="0" masterRel="nextClick" afterEffect="1"/>
                                         <p:tgtEl>
-                                          <p:spTgt spid="3">
+                                          <p:spTgt spid="6">
                                             <p:txEl>
-                                              <p:pRg st="1" end="1"/>
+                                              <p:pRg st="2" end="2"/>
                                             </p:txEl>
                                           </p:spTgt>
                                         </p:tgtEl>
@@ -8765,34 +8382,34 @@
                     </p:cTn>
                   </p:par>
                   <p:par>
-                    <p:cTn id="11" fill="hold">
+                    <p:cTn id="13" fill="hold">
                       <p:stCondLst>
                         <p:cond delay="indefinite"/>
                       </p:stCondLst>
                       <p:childTnLst>
                         <p:par>
-                          <p:cTn id="12" fill="hold">
+                          <p:cTn id="14" fill="hold">
                             <p:stCondLst>
                               <p:cond delay="0"/>
                             </p:stCondLst>
                             <p:childTnLst>
                               <p:par>
-                                <p:cTn id="13" presetID="1" presetClass="entr" presetSubtype="0" fill="hold" nodeType="clickEffect">
+                                <p:cTn id="15" presetID="1" presetClass="entr" presetSubtype="0" fill="hold" nodeType="clickEffect">
                                   <p:stCondLst>
                                     <p:cond delay="0"/>
                                   </p:stCondLst>
                                   <p:childTnLst>
                                     <p:set>
                                       <p:cBhvr>
-                                        <p:cTn id="14" dur="1" fill="hold">
+                                        <p:cTn id="16" dur="1" fill="hold">
                                           <p:stCondLst>
                                             <p:cond delay="0"/>
                                           </p:stCondLst>
                                         </p:cTn>
                                         <p:tgtEl>
-                                          <p:spTgt spid="3">
+                                          <p:spTgt spid="6">
                                             <p:txEl>
-                                              <p:pRg st="2" end="2"/>
+                                              <p:pRg st="3" end="3"/>
                                             </p:txEl>
                                           </p:spTgt>
                                         </p:tgtEl>
@@ -8810,9 +8427,9 @@
                                       <p:cBhvr override="childStyle">
                                         <p:cTn dur="1" fill="hold" display="0" masterRel="nextClick" afterEffect="1"/>
                                         <p:tgtEl>
-                                          <p:spTgt spid="3">
+                                          <p:spTgt spid="6">
                                             <p:txEl>
-                                              <p:pRg st="2" end="2"/>
+                                              <p:pRg st="3" end="3"/>
                                             </p:txEl>
                                           </p:spTgt>
                                         </p:tgtEl>
@@ -8858,7 +8475,7 @@
 </p:sld>
 </file>
 
-<file path=ppt/slides/slide5.xml><?xml version="1.0" encoding="utf-8"?>
+<file path=ppt/slides/slide4.xml><?xml version="1.0" encoding="utf-8"?>
 <p:sld xmlns:a="http://schemas.openxmlformats.org/drawingml/2006/main" xmlns:r="http://schemas.openxmlformats.org/officeDocument/2006/relationships" xmlns:p="http://schemas.openxmlformats.org/presentationml/2006/main">
   <p:cSld>
     <p:spTree>
@@ -8931,6 +8548,15 @@
             </a:pPr>
             <a:r>
               <a:rPr lang="en-US" sz="2800" dirty="0"/>
+              <a:t>Did you solve it?</a:t>
+            </a:r>
+          </a:p>
+          <a:p>
+            <a:pPr marL="0" indent="0" algn="ctr">
+              <a:buNone/>
+            </a:pPr>
+            <a:r>
+              <a:rPr lang="en-US" sz="2800" dirty="0"/>
               <a:t>Notice any </a:t>
             </a:r>
             <a:r>
@@ -8957,7 +8583,7 @@
 </p:sld>
 </file>
 
-<file path=ppt/slides/slide6.xml><?xml version="1.0" encoding="utf-8"?>
+<file path=ppt/slides/slide5.xml><?xml version="1.0" encoding="utf-8"?>
 <p:sld xmlns:a="http://schemas.openxmlformats.org/drawingml/2006/main" xmlns:r="http://schemas.openxmlformats.org/officeDocument/2006/relationships" xmlns:p="http://schemas.openxmlformats.org/presentationml/2006/main">
   <p:cSld>
     <p:spTree>
@@ -9093,10 +8719,10 @@
         </p:nvGrpSpPr>
         <p:grpSpPr>
           <a:xfrm>
-            <a:off x="3874180" y="2916027"/>
-            <a:ext cx="1953800" cy="1199497"/>
-            <a:chOff x="2911007" y="1295326"/>
-            <a:chExt cx="1953800" cy="1199497"/>
+            <a:off x="3532908" y="2916027"/>
+            <a:ext cx="2295072" cy="1340295"/>
+            <a:chOff x="2569735" y="1295326"/>
+            <a:chExt cx="2295072" cy="1340295"/>
           </a:xfrm>
         </p:grpSpPr>
         <p:sp>
@@ -9113,8 +8739,8 @@
           </p:nvSpPr>
           <p:spPr>
             <a:xfrm>
-              <a:off x="2911007" y="1804624"/>
-              <a:ext cx="1241045" cy="584775"/>
+              <a:off x="2569735" y="1804624"/>
+              <a:ext cx="1468583" cy="830997"/>
             </a:xfrm>
             <a:prstGeom prst="rect">
               <a:avLst/>
@@ -9122,7 +8748,7 @@
             <a:noFill/>
           </p:spPr>
           <p:txBody>
-            <a:bodyPr wrap="none" rtlCol="0">
+            <a:bodyPr wrap="square" rtlCol="0">
               <a:spAutoFit/>
             </a:bodyPr>
             <a:lstStyle/>
@@ -9134,7 +8760,7 @@
                     <a:srgbClr val="003470"/>
                   </a:solidFill>
                 </a:rPr>
-                <a:t>solve this</a:t>
+                <a:t>suppose we can solve this</a:t>
               </a:r>
             </a:p>
             <a:p>
@@ -9215,6 +8841,44 @@
           </p:txBody>
         </p:sp>
       </p:grpSp>
+      <p:sp>
+        <p:nvSpPr>
+          <p:cNvPr id="3" name="Content Placeholder 2">
+            <a:extLst>
+              <a:ext uri="{FF2B5EF4-FFF2-40B4-BE49-F238E27FC236}">
+                <a16:creationId xmlns:a16="http://schemas.microsoft.com/office/drawing/2014/main" id="{374F04B7-C1E3-ED52-AFAD-263AD9F90F04}"/>
+              </a:ext>
+            </a:extLst>
+          </p:cNvPr>
+          <p:cNvSpPr>
+            <a:spLocks noGrp="1"/>
+          </p:cNvSpPr>
+          <p:nvPr>
+            <p:ph idx="1"/>
+          </p:nvPr>
+        </p:nvSpPr>
+        <p:spPr>
+          <a:xfrm>
+            <a:off x="3869268" y="864108"/>
+            <a:ext cx="7315200" cy="1199497"/>
+          </a:xfrm>
+        </p:spPr>
+        <p:txBody>
+          <a:bodyPr>
+            <a:normAutofit/>
+          </a:bodyPr>
+          <a:lstStyle/>
+          <a:p>
+            <a:pPr marL="0" indent="0" algn="ctr">
+              <a:buNone/>
+            </a:pPr>
+            <a:r>
+              <a:rPr lang="en-US" sz="2800" dirty="0"/>
+              <a:t>What if we re-frame the problem this way?</a:t>
+            </a:r>
+          </a:p>
+        </p:txBody>
+      </p:sp>
     </p:spTree>
     <p:extLst>
       <p:ext uri="{BB962C8B-B14F-4D97-AF65-F5344CB8AC3E}">
@@ -9228,7 +8892,7 @@
 </p:sld>
 </file>
 
-<file path=ppt/slides/slide7.xml><?xml version="1.0" encoding="utf-8"?>
+<file path=ppt/slides/slide6.xml><?xml version="1.0" encoding="utf-8"?>
 <p:sld xmlns:a="http://schemas.openxmlformats.org/drawingml/2006/main" xmlns:r="http://schemas.openxmlformats.org/officeDocument/2006/relationships" xmlns:p="http://schemas.openxmlformats.org/presentationml/2006/main">
   <p:cSld>
     <p:spTree>
@@ -9413,6 +9077,51 @@
           </a:p>
         </p:txBody>
       </p:sp>
+      <p:sp>
+        <p:nvSpPr>
+          <p:cNvPr id="3" name="TextBox 2">
+            <a:extLst>
+              <a:ext uri="{FF2B5EF4-FFF2-40B4-BE49-F238E27FC236}">
+                <a16:creationId xmlns:a16="http://schemas.microsoft.com/office/drawing/2014/main" id="{E98D45FE-2B02-E163-A08F-7D3D47D142B0}"/>
+              </a:ext>
+            </a:extLst>
+          </p:cNvPr>
+          <p:cNvSpPr txBox="1"/>
+          <p:nvPr/>
+        </p:nvSpPr>
+        <p:spPr>
+          <a:xfrm>
+            <a:off x="6784852" y="4600286"/>
+            <a:ext cx="1468583" cy="338554"/>
+          </a:xfrm>
+          <a:prstGeom prst="rect">
+            <a:avLst/>
+          </a:prstGeom>
+          <a:noFill/>
+        </p:spPr>
+        <p:txBody>
+          <a:bodyPr wrap="square" rtlCol="0">
+            <a:spAutoFit/>
+          </a:bodyPr>
+          <a:lstStyle/>
+          <a:p>
+            <a:pPr algn="ctr"/>
+            <a:r>
+              <a:rPr lang="en-US" sz="1600" dirty="0">
+                <a:solidFill>
+                  <a:srgbClr val="003470"/>
+                </a:solidFill>
+              </a:rPr>
+              <a:t>Solved!</a:t>
+            </a:r>
+            <a:endParaRPr lang="en-US" sz="1600" b="1" dirty="0">
+              <a:solidFill>
+                <a:srgbClr val="003470"/>
+              </a:solidFill>
+            </a:endParaRPr>
+          </a:p>
+        </p:txBody>
+      </p:sp>
     </p:spTree>
     <p:extLst>
       <p:ext uri="{BB962C8B-B14F-4D97-AF65-F5344CB8AC3E}">
@@ -9426,7 +9135,7 @@
 </p:sld>
 </file>
 
-<file path=ppt/slides/slide8.xml><?xml version="1.0" encoding="utf-8"?>
+<file path=ppt/slides/slide7.xml><?xml version="1.0" encoding="utf-8"?>
 <p:sld xmlns:a="http://schemas.openxmlformats.org/drawingml/2006/main" xmlns:r="http://schemas.openxmlformats.org/officeDocument/2006/relationships" xmlns:p="http://schemas.openxmlformats.org/presentationml/2006/main">
   <p:cSld>
     <p:spTree>
@@ -9672,10 +9381,10 @@
         </p:nvGrpSpPr>
         <p:grpSpPr>
           <a:xfrm>
-            <a:off x="3690551" y="3658982"/>
-            <a:ext cx="1839987" cy="1199497"/>
-            <a:chOff x="3024820" y="1295326"/>
-            <a:chExt cx="1839987" cy="1199497"/>
+            <a:off x="3446703" y="3658982"/>
+            <a:ext cx="2083835" cy="1199497"/>
+            <a:chOff x="2780972" y="1295326"/>
+            <a:chExt cx="2083835" cy="1199497"/>
           </a:xfrm>
         </p:grpSpPr>
         <p:sp>
@@ -9692,8 +9401,8 @@
           </p:nvSpPr>
           <p:spPr>
             <a:xfrm>
-              <a:off x="3024820" y="1804624"/>
-              <a:ext cx="1013419" cy="584775"/>
+              <a:off x="2780972" y="1804624"/>
+              <a:ext cx="1501117" cy="584775"/>
             </a:xfrm>
             <a:prstGeom prst="rect">
               <a:avLst/>
@@ -9713,7 +9422,7 @@
                     <a:srgbClr val="003470"/>
                   </a:solidFill>
                 </a:rPr>
-                <a:t>move this</a:t>
+                <a:t>Now, move this</a:t>
               </a:r>
             </a:p>
             <a:p>
@@ -9807,7 +9516,7 @@
 </p:sld>
 </file>
 
-<file path=ppt/slides/slide9.xml><?xml version="1.0" encoding="utf-8"?>
+<file path=ppt/slides/slide8.xml><?xml version="1.0" encoding="utf-8"?>
 <p:sld xmlns:a="http://schemas.openxmlformats.org/drawingml/2006/main" xmlns:r="http://schemas.openxmlformats.org/officeDocument/2006/relationships" xmlns:p="http://schemas.openxmlformats.org/presentationml/2006/main">
   <p:cSld>
     <p:spTree>
@@ -10025,6 +9734,447 @@
     <p:extLst>
       <p:ext uri="{BB962C8B-B14F-4D97-AF65-F5344CB8AC3E}">
         <p14:creationId xmlns:p14="http://schemas.microsoft.com/office/powerpoint/2010/main" val="1227237591"/>
+      </p:ext>
+    </p:extLst>
+  </p:cSld>
+  <p:clrMapOvr>
+    <a:masterClrMapping/>
+  </p:clrMapOvr>
+</p:sld>
+</file>
+
+<file path=ppt/slides/slide9.xml><?xml version="1.0" encoding="utf-8"?>
+<p:sld xmlns:a="http://schemas.openxmlformats.org/drawingml/2006/main" xmlns:r="http://schemas.openxmlformats.org/officeDocument/2006/relationships" xmlns:p="http://schemas.openxmlformats.org/presentationml/2006/main">
+  <p:cSld>
+    <p:spTree>
+      <p:nvGrpSpPr>
+        <p:cNvPr id="1" name=""/>
+        <p:cNvGrpSpPr/>
+        <p:nvPr/>
+      </p:nvGrpSpPr>
+      <p:grpSpPr>
+        <a:xfrm>
+          <a:off x="0" y="0"/>
+          <a:ext cx="0" cy="0"/>
+          <a:chOff x="0" y="0"/>
+          <a:chExt cx="0" cy="0"/>
+        </a:xfrm>
+      </p:grpSpPr>
+      <p:pic>
+        <p:nvPicPr>
+          <p:cNvPr id="4" name="Picture 3">
+            <a:extLst>
+              <a:ext uri="{FF2B5EF4-FFF2-40B4-BE49-F238E27FC236}">
+                <a16:creationId xmlns:a16="http://schemas.microsoft.com/office/drawing/2014/main" id="{269B39A4-B0C8-3049-B008-306CB4647E4C}"/>
+              </a:ext>
+            </a:extLst>
+          </p:cNvPr>
+          <p:cNvPicPr>
+            <a:picLocks noChangeAspect="1"/>
+          </p:cNvPicPr>
+          <p:nvPr/>
+        </p:nvPicPr>
+        <p:blipFill>
+          <a:blip r:embed="rId2"/>
+          <a:stretch>
+            <a:fillRect/>
+          </a:stretch>
+        </p:blipFill>
+        <p:spPr>
+          <a:xfrm>
+            <a:off x="4678796" y="2368550"/>
+            <a:ext cx="5549900" cy="2120900"/>
+          </a:xfrm>
+          <a:prstGeom prst="rect">
+            <a:avLst/>
+          </a:prstGeom>
+        </p:spPr>
+      </p:pic>
+      <p:sp>
+        <p:nvSpPr>
+          <p:cNvPr id="5" name="Rectangle 4">
+            <a:extLst>
+              <a:ext uri="{FF2B5EF4-FFF2-40B4-BE49-F238E27FC236}">
+                <a16:creationId xmlns:a16="http://schemas.microsoft.com/office/drawing/2014/main" id="{8D9320D7-819D-3A4D-BB36-7134D00219AE}"/>
+              </a:ext>
+            </a:extLst>
+          </p:cNvPr>
+          <p:cNvSpPr/>
+          <p:nvPr/>
+        </p:nvSpPr>
+        <p:spPr>
+          <a:xfrm>
+            <a:off x="4678797" y="2368551"/>
+            <a:ext cx="1557915" cy="1473119"/>
+          </a:xfrm>
+          <a:prstGeom prst="rect">
+            <a:avLst/>
+          </a:prstGeom>
+          <a:solidFill>
+            <a:schemeClr val="bg1"/>
+          </a:solidFill>
+          <a:ln>
+            <a:noFill/>
+          </a:ln>
+        </p:spPr>
+        <p:style>
+          <a:lnRef idx="2">
+            <a:schemeClr val="accent1">
+              <a:shade val="50000"/>
+            </a:schemeClr>
+          </a:lnRef>
+          <a:fillRef idx="1">
+            <a:schemeClr val="accent1"/>
+          </a:fillRef>
+          <a:effectRef idx="0">
+            <a:schemeClr val="accent1"/>
+          </a:effectRef>
+          <a:fontRef idx="minor">
+            <a:schemeClr val="lt1"/>
+          </a:fontRef>
+        </p:style>
+        <p:txBody>
+          <a:bodyPr rtlCol="0" anchor="ctr"/>
+          <a:lstStyle/>
+          <a:p>
+            <a:pPr algn="ctr"/>
+            <a:endParaRPr lang="en-US"/>
+          </a:p>
+        </p:txBody>
+      </p:sp>
+      <p:sp>
+        <p:nvSpPr>
+          <p:cNvPr id="9" name="Rectangle 8">
+            <a:extLst>
+              <a:ext uri="{FF2B5EF4-FFF2-40B4-BE49-F238E27FC236}">
+                <a16:creationId xmlns:a16="http://schemas.microsoft.com/office/drawing/2014/main" id="{14B6385D-11C7-3D47-BB95-014FC475EBED}"/>
+              </a:ext>
+            </a:extLst>
+          </p:cNvPr>
+          <p:cNvSpPr/>
+          <p:nvPr/>
+        </p:nvSpPr>
+        <p:spPr>
+          <a:xfrm>
+            <a:off x="6674789" y="2766952"/>
+            <a:ext cx="1557915" cy="1074716"/>
+          </a:xfrm>
+          <a:prstGeom prst="rect">
+            <a:avLst/>
+          </a:prstGeom>
+          <a:solidFill>
+            <a:schemeClr val="bg1"/>
+          </a:solidFill>
+          <a:ln>
+            <a:noFill/>
+          </a:ln>
+        </p:spPr>
+        <p:style>
+          <a:lnRef idx="2">
+            <a:schemeClr val="accent1">
+              <a:shade val="50000"/>
+            </a:schemeClr>
+          </a:lnRef>
+          <a:fillRef idx="1">
+            <a:schemeClr val="accent1"/>
+          </a:fillRef>
+          <a:effectRef idx="0">
+            <a:schemeClr val="accent1"/>
+          </a:effectRef>
+          <a:fontRef idx="minor">
+            <a:schemeClr val="lt1"/>
+          </a:fontRef>
+        </p:style>
+        <p:txBody>
+          <a:bodyPr rtlCol="0" anchor="ctr"/>
+          <a:lstStyle/>
+          <a:p>
+            <a:pPr algn="ctr"/>
+            <a:endParaRPr lang="en-US"/>
+          </a:p>
+        </p:txBody>
+      </p:sp>
+      <p:pic>
+        <p:nvPicPr>
+          <p:cNvPr id="6" name="Picture 5">
+            <a:extLst>
+              <a:ext uri="{FF2B5EF4-FFF2-40B4-BE49-F238E27FC236}">
+                <a16:creationId xmlns:a16="http://schemas.microsoft.com/office/drawing/2014/main" id="{9F78F41A-81B8-154D-8136-D222E3297CDE}"/>
+              </a:ext>
+            </a:extLst>
+          </p:cNvPr>
+          <p:cNvPicPr>
+            <a:picLocks noChangeAspect="1"/>
+          </p:cNvPicPr>
+          <p:nvPr/>
+        </p:nvPicPr>
+        <p:blipFill rotWithShape="1">
+          <a:blip r:embed="rId2">
+            <a:clrChange>
+              <a:clrFrom>
+                <a:srgbClr val="FFFFFF"/>
+              </a:clrFrom>
+              <a:clrTo>
+                <a:srgbClr val="FFFFFF">
+                  <a:alpha val="0"/>
+                </a:srgbClr>
+              </a:clrTo>
+            </a:clrChange>
+          </a:blip>
+          <a:srcRect l="1859" t="5540" r="74971" b="43788"/>
+          <a:stretch/>
+        </p:blipFill>
+        <p:spPr>
+          <a:xfrm>
+            <a:off x="6779226" y="2766953"/>
+            <a:ext cx="1285875" cy="1074717"/>
+          </a:xfrm>
+          <a:prstGeom prst="rect">
+            <a:avLst/>
+          </a:prstGeom>
+          <a:effectLst>
+            <a:glow rad="101600">
+              <a:srgbClr val="FF9100">
+                <a:alpha val="60000"/>
+              </a:srgbClr>
+            </a:glow>
+          </a:effectLst>
+        </p:spPr>
+      </p:pic>
+      <p:pic>
+        <p:nvPicPr>
+          <p:cNvPr id="10" name="Picture 9">
+            <a:extLst>
+              <a:ext uri="{FF2B5EF4-FFF2-40B4-BE49-F238E27FC236}">
+                <a16:creationId xmlns:a16="http://schemas.microsoft.com/office/drawing/2014/main" id="{6E08034D-738A-A348-B660-E0F8252E68C5}"/>
+              </a:ext>
+            </a:extLst>
+          </p:cNvPr>
+          <p:cNvPicPr>
+            <a:picLocks noChangeAspect="1"/>
+          </p:cNvPicPr>
+          <p:nvPr/>
+        </p:nvPicPr>
+        <p:blipFill rotWithShape="1">
+          <a:blip r:embed="rId2"/>
+          <a:srcRect l="81922" t="1" r="1" b="30541"/>
+          <a:stretch/>
+        </p:blipFill>
+        <p:spPr>
+          <a:xfrm>
+            <a:off x="5233411" y="2368551"/>
+            <a:ext cx="1003300" cy="1473119"/>
+          </a:xfrm>
+          <a:prstGeom prst="rect">
+            <a:avLst/>
+          </a:prstGeom>
+        </p:spPr>
+      </p:pic>
+      <p:pic>
+        <p:nvPicPr>
+          <p:cNvPr id="8" name="Picture 7">
+            <a:extLst>
+              <a:ext uri="{FF2B5EF4-FFF2-40B4-BE49-F238E27FC236}">
+                <a16:creationId xmlns:a16="http://schemas.microsoft.com/office/drawing/2014/main" id="{87F5DED9-7234-344B-88AA-DAE77032417D}"/>
+              </a:ext>
+            </a:extLst>
+          </p:cNvPr>
+          <p:cNvPicPr>
+            <a:picLocks noChangeAspect="1"/>
+          </p:cNvPicPr>
+          <p:nvPr/>
+        </p:nvPicPr>
+        <p:blipFill rotWithShape="1">
+          <a:blip r:embed="rId2"/>
+          <a:srcRect l="1880" t="57410" r="74199" b="30543"/>
+          <a:stretch/>
+        </p:blipFill>
+        <p:spPr>
+          <a:xfrm>
+            <a:off x="8764501" y="3586163"/>
+            <a:ext cx="1327604" cy="255507"/>
+          </a:xfrm>
+          <a:prstGeom prst="rect">
+            <a:avLst/>
+          </a:prstGeom>
+        </p:spPr>
+      </p:pic>
+      <p:sp>
+        <p:nvSpPr>
+          <p:cNvPr id="2" name="Title 1">
+            <a:extLst>
+              <a:ext uri="{FF2B5EF4-FFF2-40B4-BE49-F238E27FC236}">
+                <a16:creationId xmlns:a16="http://schemas.microsoft.com/office/drawing/2014/main" id="{02B878CA-875E-0C49-AA85-FA1C8FC43401}"/>
+              </a:ext>
+            </a:extLst>
+          </p:cNvPr>
+          <p:cNvSpPr>
+            <a:spLocks noGrp="1"/>
+          </p:cNvSpPr>
+          <p:nvPr>
+            <p:ph type="title"/>
+          </p:nvPr>
+        </p:nvSpPr>
+        <p:spPr/>
+        <p:txBody>
+          <a:bodyPr/>
+          <a:lstStyle/>
+          <a:p>
+            <a:r>
+              <a:rPr lang="en-US" dirty="0"/>
+              <a:t>Recursive Towers</a:t>
+            </a:r>
+          </a:p>
+        </p:txBody>
+      </p:sp>
+      <p:grpSp>
+        <p:nvGrpSpPr>
+          <p:cNvPr id="11" name="Group 10">
+            <a:extLst>
+              <a:ext uri="{FF2B5EF4-FFF2-40B4-BE49-F238E27FC236}">
+                <a16:creationId xmlns:a16="http://schemas.microsoft.com/office/drawing/2014/main" id="{D677E58B-81BF-0749-A816-8E0D6C338817}"/>
+              </a:ext>
+            </a:extLst>
+          </p:cNvPr>
+          <p:cNvGrpSpPr/>
+          <p:nvPr/>
+        </p:nvGrpSpPr>
+        <p:grpSpPr>
+          <a:xfrm>
+            <a:off x="5666945" y="1876483"/>
+            <a:ext cx="1732199" cy="1490217"/>
+            <a:chOff x="3132608" y="1004606"/>
+            <a:chExt cx="1732199" cy="1490217"/>
+          </a:xfrm>
+        </p:grpSpPr>
+        <p:sp>
+          <p:nvSpPr>
+            <p:cNvPr id="12" name="TextBox 11">
+              <a:extLst>
+                <a:ext uri="{FF2B5EF4-FFF2-40B4-BE49-F238E27FC236}">
+                  <a16:creationId xmlns:a16="http://schemas.microsoft.com/office/drawing/2014/main" id="{B9F214E2-4921-574A-93F5-6D4A01BD032D}"/>
+                </a:ext>
+              </a:extLst>
+            </p:cNvPr>
+            <p:cNvSpPr txBox="1"/>
+            <p:nvPr/>
+          </p:nvSpPr>
+          <p:spPr>
+            <a:xfrm>
+              <a:off x="3132608" y="1004606"/>
+              <a:ext cx="1517200" cy="830997"/>
+            </a:xfrm>
+            <a:prstGeom prst="rect">
+              <a:avLst/>
+            </a:prstGeom>
+            <a:noFill/>
+          </p:spPr>
+          <p:txBody>
+            <a:bodyPr wrap="square" rtlCol="0">
+              <a:spAutoFit/>
+            </a:bodyPr>
+            <a:lstStyle/>
+            <a:p>
+              <a:pPr algn="ctr"/>
+              <a:r>
+                <a:rPr lang="en-US" sz="1600" dirty="0">
+                  <a:solidFill>
+                    <a:srgbClr val="003470"/>
+                  </a:solidFill>
+                </a:rPr>
+                <a:t>solve this</a:t>
+              </a:r>
+            </a:p>
+            <a:p>
+              <a:pPr algn="ctr"/>
+              <a:r>
+                <a:rPr lang="en-US" sz="1600" b="1" dirty="0">
+                  <a:solidFill>
+                    <a:srgbClr val="003470"/>
+                  </a:solidFill>
+                </a:rPr>
+                <a:t>subproblem </a:t>
+              </a:r>
+              <a:r>
+                <a:rPr lang="en-US" sz="1600" dirty="0">
+                  <a:solidFill>
+                    <a:srgbClr val="003470"/>
+                  </a:solidFill>
+                </a:rPr>
+                <a:t>again</a:t>
+              </a:r>
+            </a:p>
+          </p:txBody>
+        </p:sp>
+        <p:sp>
+          <p:nvSpPr>
+            <p:cNvPr id="13" name="Circular Arrow 12">
+              <a:extLst>
+                <a:ext uri="{FF2B5EF4-FFF2-40B4-BE49-F238E27FC236}">
+                  <a16:creationId xmlns:a16="http://schemas.microsoft.com/office/drawing/2014/main" id="{AD88F282-91A0-DD42-9ED8-E36FFB010424}"/>
+                </a:ext>
+              </a:extLst>
+            </p:cNvPr>
+            <p:cNvSpPr/>
+            <p:nvPr/>
+          </p:nvSpPr>
+          <p:spPr>
+            <a:xfrm rot="16200000" flipH="1">
+              <a:off x="3662407" y="1292423"/>
+              <a:ext cx="1199497" cy="1205303"/>
+            </a:xfrm>
+            <a:prstGeom prst="circularArrow">
+              <a:avLst>
+                <a:gd name="adj1" fmla="val 1411"/>
+                <a:gd name="adj2" fmla="val 1563058"/>
+                <a:gd name="adj3" fmla="val 20880751"/>
+                <a:gd name="adj4" fmla="val 16659497"/>
+                <a:gd name="adj5" fmla="val 7233"/>
+              </a:avLst>
+            </a:prstGeom>
+            <a:solidFill>
+              <a:srgbClr val="003470"/>
+            </a:solidFill>
+            <a:ln cap="rnd">
+              <a:solidFill>
+                <a:srgbClr val="003470"/>
+              </a:solidFill>
+            </a:ln>
+          </p:spPr>
+          <p:style>
+            <a:lnRef idx="2">
+              <a:schemeClr val="accent1">
+                <a:shade val="50000"/>
+              </a:schemeClr>
+            </a:lnRef>
+            <a:fillRef idx="1">
+              <a:schemeClr val="accent1"/>
+            </a:fillRef>
+            <a:effectRef idx="0">
+              <a:schemeClr val="accent1"/>
+            </a:effectRef>
+            <a:fontRef idx="minor">
+              <a:schemeClr val="lt1"/>
+            </a:fontRef>
+          </p:style>
+          <p:txBody>
+            <a:bodyPr rtlCol="0" anchor="ctr"/>
+            <a:lstStyle/>
+            <a:p>
+              <a:pPr algn="ctr"/>
+              <a:endParaRPr lang="en-US" dirty="0">
+                <a:solidFill>
+                  <a:schemeClr val="tx1"/>
+                </a:solidFill>
+              </a:endParaRPr>
+            </a:p>
+          </p:txBody>
+        </p:sp>
+      </p:grpSp>
+    </p:spTree>
+    <p:extLst>
+      <p:ext uri="{BB962C8B-B14F-4D97-AF65-F5344CB8AC3E}">
+        <p14:creationId xmlns:p14="http://schemas.microsoft.com/office/powerpoint/2010/main" val="2490095949"/>
       </p:ext>
     </p:extLst>
   </p:cSld>

--- a/slides/19-recursion-pt1.pptx
+++ b/slides/19-recursion-pt1.pptx
@@ -5,30 +5,31 @@
     <p:sldMasterId id="2147483852" r:id="rId1"/>
   </p:sldMasterIdLst>
   <p:notesMasterIdLst>
-    <p:notesMasterId r:id="rId23"/>
+    <p:notesMasterId r:id="rId24"/>
   </p:notesMasterIdLst>
   <p:sldIdLst>
     <p:sldId id="256" r:id="rId2"/>
     <p:sldId id="335" r:id="rId3"/>
-    <p:sldId id="336" r:id="rId4"/>
-    <p:sldId id="338" r:id="rId5"/>
-    <p:sldId id="337" r:id="rId6"/>
-    <p:sldId id="339" r:id="rId7"/>
-    <p:sldId id="340" r:id="rId8"/>
-    <p:sldId id="341" r:id="rId9"/>
-    <p:sldId id="342" r:id="rId10"/>
-    <p:sldId id="343" r:id="rId11"/>
-    <p:sldId id="345" r:id="rId12"/>
-    <p:sldId id="346" r:id="rId13"/>
-    <p:sldId id="347" r:id="rId14"/>
-    <p:sldId id="348" r:id="rId15"/>
-    <p:sldId id="349" r:id="rId16"/>
-    <p:sldId id="350" r:id="rId17"/>
-    <p:sldId id="351" r:id="rId18"/>
-    <p:sldId id="353" r:id="rId19"/>
-    <p:sldId id="354" r:id="rId20"/>
-    <p:sldId id="352" r:id="rId21"/>
-    <p:sldId id="358" r:id="rId22"/>
+    <p:sldId id="359" r:id="rId4"/>
+    <p:sldId id="336" r:id="rId5"/>
+    <p:sldId id="338" r:id="rId6"/>
+    <p:sldId id="337" r:id="rId7"/>
+    <p:sldId id="339" r:id="rId8"/>
+    <p:sldId id="340" r:id="rId9"/>
+    <p:sldId id="341" r:id="rId10"/>
+    <p:sldId id="342" r:id="rId11"/>
+    <p:sldId id="343" r:id="rId12"/>
+    <p:sldId id="345" r:id="rId13"/>
+    <p:sldId id="346" r:id="rId14"/>
+    <p:sldId id="347" r:id="rId15"/>
+    <p:sldId id="348" r:id="rId16"/>
+    <p:sldId id="349" r:id="rId17"/>
+    <p:sldId id="350" r:id="rId18"/>
+    <p:sldId id="351" r:id="rId19"/>
+    <p:sldId id="353" r:id="rId20"/>
+    <p:sldId id="354" r:id="rId21"/>
+    <p:sldId id="352" r:id="rId22"/>
+    <p:sldId id="358" r:id="rId23"/>
   </p:sldIdLst>
   <p:sldSz cx="12192000" cy="6858000"/>
   <p:notesSz cx="6858000" cy="9144000"/>
@@ -217,7 +218,7 @@
           <a:p>
             <a:fld id="{3CBB8A52-8AC5-C74C-97FB-632C448F3674}" type="datetimeFigureOut">
               <a:rPr lang="en-US" smtClean="0"/>
-              <a:t>2/26/24</a:t>
+              <a:t>2/29/24</a:t>
             </a:fld>
             <a:endParaRPr lang="en-US"/>
           </a:p>
@@ -549,7 +550,7 @@
           <a:p>
             <a:fld id="{77F12483-E947-6F4E-A75E-B2E677827779}" type="slidenum">
               <a:rPr lang="en-US" smtClean="0"/>
-              <a:t>4</a:t>
+              <a:t>5</a:t>
             </a:fld>
             <a:endParaRPr lang="en-US"/>
           </a:p>
@@ -633,7 +634,7 @@
           <a:p>
             <a:fld id="{77F12483-E947-6F4E-A75E-B2E677827779}" type="slidenum">
               <a:rPr lang="en-US" smtClean="0"/>
-              <a:t>17</a:t>
+              <a:t>18</a:t>
             </a:fld>
             <a:endParaRPr lang="en-US"/>
           </a:p>
@@ -733,7 +734,7 @@
           <a:p>
             <a:fld id="{77F12483-E947-6F4E-A75E-B2E677827779}" type="slidenum">
               <a:rPr lang="en-US" smtClean="0"/>
-              <a:t>21</a:t>
+              <a:t>22</a:t>
             </a:fld>
             <a:endParaRPr lang="en-US"/>
           </a:p>
@@ -977,7 +978,7 @@
             <a:fld id="{5586B75A-687E-405C-8A0B-8D00578BA2C3}" type="datetimeFigureOut">
               <a:rPr lang="en-US" smtClean="0"/>
               <a:pPr/>
-              <a:t>2/26/24</a:t>
+              <a:t>2/29/24</a:t>
             </a:fld>
             <a:endParaRPr lang="en-US" dirty="0"/>
           </a:p>
@@ -1149,7 +1150,7 @@
             <a:fld id="{5586B75A-687E-405C-8A0B-8D00578BA2C3}" type="datetimeFigureOut">
               <a:rPr lang="en-US" smtClean="0"/>
               <a:pPr/>
-              <a:t>2/26/24</a:t>
+              <a:t>2/29/24</a:t>
             </a:fld>
             <a:endParaRPr lang="en-US" dirty="0"/>
           </a:p>
@@ -1331,7 +1332,7 @@
             <a:fld id="{5586B75A-687E-405C-8A0B-8D00578BA2C3}" type="datetimeFigureOut">
               <a:rPr lang="en-US" smtClean="0"/>
               <a:pPr/>
-              <a:t>2/26/24</a:t>
+              <a:t>2/29/24</a:t>
             </a:fld>
             <a:endParaRPr lang="en-US" dirty="0"/>
           </a:p>
@@ -1503,7 +1504,7 @@
             <a:fld id="{5586B75A-687E-405C-8A0B-8D00578BA2C3}" type="datetimeFigureOut">
               <a:rPr lang="en-US" smtClean="0"/>
               <a:pPr/>
-              <a:t>2/26/24</a:t>
+              <a:t>2/29/24</a:t>
             </a:fld>
             <a:endParaRPr lang="en-US" dirty="0"/>
           </a:p>
@@ -1759,7 +1760,7 @@
             <a:fld id="{5586B75A-687E-405C-8A0B-8D00578BA2C3}" type="datetimeFigureOut">
               <a:rPr lang="en-US" smtClean="0"/>
               <a:pPr/>
-              <a:t>2/26/24</a:t>
+              <a:t>2/29/24</a:t>
             </a:fld>
             <a:endParaRPr lang="en-US" dirty="0"/>
           </a:p>
@@ -2049,7 +2050,7 @@
             <a:fld id="{5586B75A-687E-405C-8A0B-8D00578BA2C3}" type="datetimeFigureOut">
               <a:rPr lang="en-US" smtClean="0"/>
               <a:pPr/>
-              <a:t>2/26/24</a:t>
+              <a:t>2/29/24</a:t>
             </a:fld>
             <a:endParaRPr lang="en-US" dirty="0"/>
           </a:p>
@@ -2493,7 +2494,7 @@
             <a:fld id="{5586B75A-687E-405C-8A0B-8D00578BA2C3}" type="datetimeFigureOut">
               <a:rPr lang="en-US" smtClean="0"/>
               <a:pPr/>
-              <a:t>2/26/24</a:t>
+              <a:t>2/29/24</a:t>
             </a:fld>
             <a:endParaRPr lang="en-US" dirty="0"/>
           </a:p>
@@ -2613,7 +2614,7 @@
             <a:fld id="{5586B75A-687E-405C-8A0B-8D00578BA2C3}" type="datetimeFigureOut">
               <a:rPr lang="en-US" smtClean="0"/>
               <a:pPr/>
-              <a:t>2/26/24</a:t>
+              <a:t>2/29/24</a:t>
             </a:fld>
             <a:endParaRPr lang="en-US" dirty="0"/>
           </a:p>
@@ -2710,7 +2711,7 @@
             <a:fld id="{5586B75A-687E-405C-8A0B-8D00578BA2C3}" type="datetimeFigureOut">
               <a:rPr lang="en-US" smtClean="0"/>
               <a:pPr/>
-              <a:t>2/26/24</a:t>
+              <a:t>2/29/24</a:t>
             </a:fld>
             <a:endParaRPr lang="en-US" dirty="0"/>
           </a:p>
@@ -3000,7 +3001,7 @@
             <a:fld id="{5586B75A-687E-405C-8A0B-8D00578BA2C3}" type="datetimeFigureOut">
               <a:rPr lang="en-US" smtClean="0"/>
               <a:pPr/>
-              <a:t>2/26/24</a:t>
+              <a:t>2/29/24</a:t>
             </a:fld>
             <a:endParaRPr lang="en-US" dirty="0"/>
           </a:p>
@@ -3275,7 +3276,7 @@
             <a:fld id="{5586B75A-687E-405C-8A0B-8D00578BA2C3}" type="datetimeFigureOut">
               <a:rPr lang="en-US" smtClean="0"/>
               <a:pPr/>
-              <a:t>2/26/24</a:t>
+              <a:t>2/29/24</a:t>
             </a:fld>
             <a:endParaRPr lang="en-US" dirty="0"/>
           </a:p>
@@ -3574,7 +3575,7 @@
             <a:fld id="{5586B75A-687E-405C-8A0B-8D00578BA2C3}" type="datetimeFigureOut">
               <a:rPr lang="en-US" smtClean="0"/>
               <a:pPr/>
-              <a:t>2/26/24</a:t>
+              <a:t>2/29/24</a:t>
             </a:fld>
             <a:endParaRPr lang="en-US" dirty="0"/>
           </a:p>
@@ -4218,6 +4219,447 @@
         </p:blipFill>
         <p:spPr>
           <a:xfrm>
+            <a:off x="4678796" y="2368550"/>
+            <a:ext cx="5549900" cy="2120900"/>
+          </a:xfrm>
+          <a:prstGeom prst="rect">
+            <a:avLst/>
+          </a:prstGeom>
+        </p:spPr>
+      </p:pic>
+      <p:sp>
+        <p:nvSpPr>
+          <p:cNvPr id="5" name="Rectangle 4">
+            <a:extLst>
+              <a:ext uri="{FF2B5EF4-FFF2-40B4-BE49-F238E27FC236}">
+                <a16:creationId xmlns:a16="http://schemas.microsoft.com/office/drawing/2014/main" id="{8D9320D7-819D-3A4D-BB36-7134D00219AE}"/>
+              </a:ext>
+            </a:extLst>
+          </p:cNvPr>
+          <p:cNvSpPr/>
+          <p:nvPr/>
+        </p:nvSpPr>
+        <p:spPr>
+          <a:xfrm>
+            <a:off x="4678797" y="2368551"/>
+            <a:ext cx="1557915" cy="1473119"/>
+          </a:xfrm>
+          <a:prstGeom prst="rect">
+            <a:avLst/>
+          </a:prstGeom>
+          <a:solidFill>
+            <a:schemeClr val="bg1"/>
+          </a:solidFill>
+          <a:ln>
+            <a:noFill/>
+          </a:ln>
+        </p:spPr>
+        <p:style>
+          <a:lnRef idx="2">
+            <a:schemeClr val="accent1">
+              <a:shade val="50000"/>
+            </a:schemeClr>
+          </a:lnRef>
+          <a:fillRef idx="1">
+            <a:schemeClr val="accent1"/>
+          </a:fillRef>
+          <a:effectRef idx="0">
+            <a:schemeClr val="accent1"/>
+          </a:effectRef>
+          <a:fontRef idx="minor">
+            <a:schemeClr val="lt1"/>
+          </a:fontRef>
+        </p:style>
+        <p:txBody>
+          <a:bodyPr rtlCol="0" anchor="ctr"/>
+          <a:lstStyle/>
+          <a:p>
+            <a:pPr algn="ctr"/>
+            <a:endParaRPr lang="en-US"/>
+          </a:p>
+        </p:txBody>
+      </p:sp>
+      <p:sp>
+        <p:nvSpPr>
+          <p:cNvPr id="9" name="Rectangle 8">
+            <a:extLst>
+              <a:ext uri="{FF2B5EF4-FFF2-40B4-BE49-F238E27FC236}">
+                <a16:creationId xmlns:a16="http://schemas.microsoft.com/office/drawing/2014/main" id="{14B6385D-11C7-3D47-BB95-014FC475EBED}"/>
+              </a:ext>
+            </a:extLst>
+          </p:cNvPr>
+          <p:cNvSpPr/>
+          <p:nvPr/>
+        </p:nvSpPr>
+        <p:spPr>
+          <a:xfrm>
+            <a:off x="6674789" y="2766952"/>
+            <a:ext cx="1557915" cy="1074716"/>
+          </a:xfrm>
+          <a:prstGeom prst="rect">
+            <a:avLst/>
+          </a:prstGeom>
+          <a:solidFill>
+            <a:schemeClr val="bg1"/>
+          </a:solidFill>
+          <a:ln>
+            <a:noFill/>
+          </a:ln>
+        </p:spPr>
+        <p:style>
+          <a:lnRef idx="2">
+            <a:schemeClr val="accent1">
+              <a:shade val="50000"/>
+            </a:schemeClr>
+          </a:lnRef>
+          <a:fillRef idx="1">
+            <a:schemeClr val="accent1"/>
+          </a:fillRef>
+          <a:effectRef idx="0">
+            <a:schemeClr val="accent1"/>
+          </a:effectRef>
+          <a:fontRef idx="minor">
+            <a:schemeClr val="lt1"/>
+          </a:fontRef>
+        </p:style>
+        <p:txBody>
+          <a:bodyPr rtlCol="0" anchor="ctr"/>
+          <a:lstStyle/>
+          <a:p>
+            <a:pPr algn="ctr"/>
+            <a:endParaRPr lang="en-US"/>
+          </a:p>
+        </p:txBody>
+      </p:sp>
+      <p:pic>
+        <p:nvPicPr>
+          <p:cNvPr id="6" name="Picture 5">
+            <a:extLst>
+              <a:ext uri="{FF2B5EF4-FFF2-40B4-BE49-F238E27FC236}">
+                <a16:creationId xmlns:a16="http://schemas.microsoft.com/office/drawing/2014/main" id="{9F78F41A-81B8-154D-8136-D222E3297CDE}"/>
+              </a:ext>
+            </a:extLst>
+          </p:cNvPr>
+          <p:cNvPicPr>
+            <a:picLocks noChangeAspect="1"/>
+          </p:cNvPicPr>
+          <p:nvPr/>
+        </p:nvPicPr>
+        <p:blipFill rotWithShape="1">
+          <a:blip r:embed="rId2">
+            <a:clrChange>
+              <a:clrFrom>
+                <a:srgbClr val="FFFFFF"/>
+              </a:clrFrom>
+              <a:clrTo>
+                <a:srgbClr val="FFFFFF">
+                  <a:alpha val="0"/>
+                </a:srgbClr>
+              </a:clrTo>
+            </a:clrChange>
+          </a:blip>
+          <a:srcRect l="1859" t="5540" r="74971" b="43788"/>
+          <a:stretch/>
+        </p:blipFill>
+        <p:spPr>
+          <a:xfrm>
+            <a:off x="6779226" y="2766953"/>
+            <a:ext cx="1285875" cy="1074717"/>
+          </a:xfrm>
+          <a:prstGeom prst="rect">
+            <a:avLst/>
+          </a:prstGeom>
+          <a:effectLst>
+            <a:glow rad="101600">
+              <a:srgbClr val="FF9100">
+                <a:alpha val="60000"/>
+              </a:srgbClr>
+            </a:glow>
+          </a:effectLst>
+        </p:spPr>
+      </p:pic>
+      <p:pic>
+        <p:nvPicPr>
+          <p:cNvPr id="10" name="Picture 9">
+            <a:extLst>
+              <a:ext uri="{FF2B5EF4-FFF2-40B4-BE49-F238E27FC236}">
+                <a16:creationId xmlns:a16="http://schemas.microsoft.com/office/drawing/2014/main" id="{6E08034D-738A-A348-B660-E0F8252E68C5}"/>
+              </a:ext>
+            </a:extLst>
+          </p:cNvPr>
+          <p:cNvPicPr>
+            <a:picLocks noChangeAspect="1"/>
+          </p:cNvPicPr>
+          <p:nvPr/>
+        </p:nvPicPr>
+        <p:blipFill rotWithShape="1">
+          <a:blip r:embed="rId2"/>
+          <a:srcRect l="81922" t="1" r="1" b="30541"/>
+          <a:stretch/>
+        </p:blipFill>
+        <p:spPr>
+          <a:xfrm>
+            <a:off x="5233411" y="2368551"/>
+            <a:ext cx="1003300" cy="1473119"/>
+          </a:xfrm>
+          <a:prstGeom prst="rect">
+            <a:avLst/>
+          </a:prstGeom>
+        </p:spPr>
+      </p:pic>
+      <p:pic>
+        <p:nvPicPr>
+          <p:cNvPr id="8" name="Picture 7">
+            <a:extLst>
+              <a:ext uri="{FF2B5EF4-FFF2-40B4-BE49-F238E27FC236}">
+                <a16:creationId xmlns:a16="http://schemas.microsoft.com/office/drawing/2014/main" id="{87F5DED9-7234-344B-88AA-DAE77032417D}"/>
+              </a:ext>
+            </a:extLst>
+          </p:cNvPr>
+          <p:cNvPicPr>
+            <a:picLocks noChangeAspect="1"/>
+          </p:cNvPicPr>
+          <p:nvPr/>
+        </p:nvPicPr>
+        <p:blipFill rotWithShape="1">
+          <a:blip r:embed="rId2"/>
+          <a:srcRect l="1880" t="57410" r="74199" b="30543"/>
+          <a:stretch/>
+        </p:blipFill>
+        <p:spPr>
+          <a:xfrm>
+            <a:off x="8764501" y="3586163"/>
+            <a:ext cx="1327604" cy="255507"/>
+          </a:xfrm>
+          <a:prstGeom prst="rect">
+            <a:avLst/>
+          </a:prstGeom>
+        </p:spPr>
+      </p:pic>
+      <p:sp>
+        <p:nvSpPr>
+          <p:cNvPr id="2" name="Title 1">
+            <a:extLst>
+              <a:ext uri="{FF2B5EF4-FFF2-40B4-BE49-F238E27FC236}">
+                <a16:creationId xmlns:a16="http://schemas.microsoft.com/office/drawing/2014/main" id="{02B878CA-875E-0C49-AA85-FA1C8FC43401}"/>
+              </a:ext>
+            </a:extLst>
+          </p:cNvPr>
+          <p:cNvSpPr>
+            <a:spLocks noGrp="1"/>
+          </p:cNvSpPr>
+          <p:nvPr>
+            <p:ph type="title"/>
+          </p:nvPr>
+        </p:nvSpPr>
+        <p:spPr/>
+        <p:txBody>
+          <a:bodyPr/>
+          <a:lstStyle/>
+          <a:p>
+            <a:r>
+              <a:rPr lang="en-US" dirty="0"/>
+              <a:t>Recursive Towers</a:t>
+            </a:r>
+          </a:p>
+        </p:txBody>
+      </p:sp>
+      <p:grpSp>
+        <p:nvGrpSpPr>
+          <p:cNvPr id="11" name="Group 10">
+            <a:extLst>
+              <a:ext uri="{FF2B5EF4-FFF2-40B4-BE49-F238E27FC236}">
+                <a16:creationId xmlns:a16="http://schemas.microsoft.com/office/drawing/2014/main" id="{D677E58B-81BF-0749-A816-8E0D6C338817}"/>
+              </a:ext>
+            </a:extLst>
+          </p:cNvPr>
+          <p:cNvGrpSpPr/>
+          <p:nvPr/>
+        </p:nvGrpSpPr>
+        <p:grpSpPr>
+          <a:xfrm>
+            <a:off x="5666945" y="1876483"/>
+            <a:ext cx="1732199" cy="1490217"/>
+            <a:chOff x="3132608" y="1004606"/>
+            <a:chExt cx="1732199" cy="1490217"/>
+          </a:xfrm>
+        </p:grpSpPr>
+        <p:sp>
+          <p:nvSpPr>
+            <p:cNvPr id="12" name="TextBox 11">
+              <a:extLst>
+                <a:ext uri="{FF2B5EF4-FFF2-40B4-BE49-F238E27FC236}">
+                  <a16:creationId xmlns:a16="http://schemas.microsoft.com/office/drawing/2014/main" id="{B9F214E2-4921-574A-93F5-6D4A01BD032D}"/>
+                </a:ext>
+              </a:extLst>
+            </p:cNvPr>
+            <p:cNvSpPr txBox="1"/>
+            <p:nvPr/>
+          </p:nvSpPr>
+          <p:spPr>
+            <a:xfrm>
+              <a:off x="3132608" y="1004606"/>
+              <a:ext cx="1517200" cy="830997"/>
+            </a:xfrm>
+            <a:prstGeom prst="rect">
+              <a:avLst/>
+            </a:prstGeom>
+            <a:noFill/>
+          </p:spPr>
+          <p:txBody>
+            <a:bodyPr wrap="square" rtlCol="0">
+              <a:spAutoFit/>
+            </a:bodyPr>
+            <a:lstStyle/>
+            <a:p>
+              <a:pPr algn="ctr"/>
+              <a:r>
+                <a:rPr lang="en-US" sz="1600" dirty="0">
+                  <a:solidFill>
+                    <a:srgbClr val="003470"/>
+                  </a:solidFill>
+                </a:rPr>
+                <a:t>solve this</a:t>
+              </a:r>
+            </a:p>
+            <a:p>
+              <a:pPr algn="ctr"/>
+              <a:r>
+                <a:rPr lang="en-US" sz="1600" b="1" dirty="0">
+                  <a:solidFill>
+                    <a:srgbClr val="003470"/>
+                  </a:solidFill>
+                </a:rPr>
+                <a:t>subproblem </a:t>
+              </a:r>
+              <a:r>
+                <a:rPr lang="en-US" sz="1600" dirty="0">
+                  <a:solidFill>
+                    <a:srgbClr val="003470"/>
+                  </a:solidFill>
+                </a:rPr>
+                <a:t>again</a:t>
+              </a:r>
+            </a:p>
+          </p:txBody>
+        </p:sp>
+        <p:sp>
+          <p:nvSpPr>
+            <p:cNvPr id="13" name="Circular Arrow 12">
+              <a:extLst>
+                <a:ext uri="{FF2B5EF4-FFF2-40B4-BE49-F238E27FC236}">
+                  <a16:creationId xmlns:a16="http://schemas.microsoft.com/office/drawing/2014/main" id="{AD88F282-91A0-DD42-9ED8-E36FFB010424}"/>
+                </a:ext>
+              </a:extLst>
+            </p:cNvPr>
+            <p:cNvSpPr/>
+            <p:nvPr/>
+          </p:nvSpPr>
+          <p:spPr>
+            <a:xfrm rot="16200000" flipH="1">
+              <a:off x="3662407" y="1292423"/>
+              <a:ext cx="1199497" cy="1205303"/>
+            </a:xfrm>
+            <a:prstGeom prst="circularArrow">
+              <a:avLst>
+                <a:gd name="adj1" fmla="val 1411"/>
+                <a:gd name="adj2" fmla="val 1563058"/>
+                <a:gd name="adj3" fmla="val 20880751"/>
+                <a:gd name="adj4" fmla="val 16659497"/>
+                <a:gd name="adj5" fmla="val 7233"/>
+              </a:avLst>
+            </a:prstGeom>
+            <a:solidFill>
+              <a:srgbClr val="003470"/>
+            </a:solidFill>
+            <a:ln cap="rnd">
+              <a:solidFill>
+                <a:srgbClr val="003470"/>
+              </a:solidFill>
+            </a:ln>
+          </p:spPr>
+          <p:style>
+            <a:lnRef idx="2">
+              <a:schemeClr val="accent1">
+                <a:shade val="50000"/>
+              </a:schemeClr>
+            </a:lnRef>
+            <a:fillRef idx="1">
+              <a:schemeClr val="accent1"/>
+            </a:fillRef>
+            <a:effectRef idx="0">
+              <a:schemeClr val="accent1"/>
+            </a:effectRef>
+            <a:fontRef idx="minor">
+              <a:schemeClr val="lt1"/>
+            </a:fontRef>
+          </p:style>
+          <p:txBody>
+            <a:bodyPr rtlCol="0" anchor="ctr"/>
+            <a:lstStyle/>
+            <a:p>
+              <a:pPr algn="ctr"/>
+              <a:endParaRPr lang="en-US" dirty="0">
+                <a:solidFill>
+                  <a:schemeClr val="tx1"/>
+                </a:solidFill>
+              </a:endParaRPr>
+            </a:p>
+          </p:txBody>
+        </p:sp>
+      </p:grpSp>
+    </p:spTree>
+    <p:extLst>
+      <p:ext uri="{BB962C8B-B14F-4D97-AF65-F5344CB8AC3E}">
+        <p14:creationId xmlns:p14="http://schemas.microsoft.com/office/powerpoint/2010/main" val="2490095949"/>
+      </p:ext>
+    </p:extLst>
+  </p:cSld>
+  <p:clrMapOvr>
+    <a:masterClrMapping/>
+  </p:clrMapOvr>
+</p:sld>
+</file>
+
+<file path=ppt/slides/slide11.xml><?xml version="1.0" encoding="utf-8"?>
+<p:sld xmlns:a="http://schemas.openxmlformats.org/drawingml/2006/main" xmlns:r="http://schemas.openxmlformats.org/officeDocument/2006/relationships" xmlns:p="http://schemas.openxmlformats.org/presentationml/2006/main">
+  <p:cSld>
+    <p:spTree>
+      <p:nvGrpSpPr>
+        <p:cNvPr id="1" name=""/>
+        <p:cNvGrpSpPr/>
+        <p:nvPr/>
+      </p:nvGrpSpPr>
+      <p:grpSpPr>
+        <a:xfrm>
+          <a:off x="0" y="0"/>
+          <a:ext cx="0" cy="0"/>
+          <a:chOff x="0" y="0"/>
+          <a:chExt cx="0" cy="0"/>
+        </a:xfrm>
+      </p:grpSpPr>
+      <p:pic>
+        <p:nvPicPr>
+          <p:cNvPr id="4" name="Picture 3">
+            <a:extLst>
+              <a:ext uri="{FF2B5EF4-FFF2-40B4-BE49-F238E27FC236}">
+                <a16:creationId xmlns:a16="http://schemas.microsoft.com/office/drawing/2014/main" id="{269B39A4-B0C8-3049-B008-306CB4647E4C}"/>
+              </a:ext>
+            </a:extLst>
+          </p:cNvPr>
+          <p:cNvPicPr>
+            <a:picLocks noChangeAspect="1"/>
+          </p:cNvPicPr>
+          <p:nvPr/>
+        </p:nvPicPr>
+        <p:blipFill>
+          <a:blip r:embed="rId2"/>
+          <a:stretch>
+            <a:fillRect/>
+          </a:stretch>
+        </p:blipFill>
+        <p:spPr>
+          <a:xfrm>
             <a:off x="4761923" y="2368550"/>
             <a:ext cx="5549900" cy="2120900"/>
           </a:xfrm>
@@ -4377,7 +4819,7 @@
 </p:sld>
 </file>
 
-<file path=ppt/slides/slide11.xml><?xml version="1.0" encoding="utf-8"?>
+<file path=ppt/slides/slide12.xml><?xml version="1.0" encoding="utf-8"?>
 <p:sld xmlns:a="http://schemas.openxmlformats.org/drawingml/2006/main" xmlns:r="http://schemas.openxmlformats.org/officeDocument/2006/relationships" xmlns:p="http://schemas.openxmlformats.org/presentationml/2006/main">
   <p:cSld>
     <p:spTree>
@@ -4686,7 +5128,7 @@
 </p:sld>
 </file>
 
-<file path=ppt/slides/slide12.xml><?xml version="1.0" encoding="utf-8"?>
+<file path=ppt/slides/slide13.xml><?xml version="1.0" encoding="utf-8"?>
 <p:sld xmlns:a="http://schemas.openxmlformats.org/drawingml/2006/main" xmlns:r="http://schemas.openxmlformats.org/officeDocument/2006/relationships" xmlns:p="http://schemas.openxmlformats.org/presentationml/2006/main">
   <p:cSld>
     <p:spTree>
@@ -5006,7 +5448,7 @@
 </p:sld>
 </file>
 
-<file path=ppt/slides/slide13.xml><?xml version="1.0" encoding="utf-8"?>
+<file path=ppt/slides/slide14.xml><?xml version="1.0" encoding="utf-8"?>
 <p:sld xmlns:a="http://schemas.openxmlformats.org/drawingml/2006/main" xmlns:r="http://schemas.openxmlformats.org/officeDocument/2006/relationships" xmlns:p="http://schemas.openxmlformats.org/presentationml/2006/main">
   <p:cSld>
     <p:spTree>
@@ -5317,7 +5759,7 @@
 </p:sld>
 </file>
 
-<file path=ppt/slides/slide14.xml><?xml version="1.0" encoding="utf-8"?>
+<file path=ppt/slides/slide15.xml><?xml version="1.0" encoding="utf-8"?>
 <p:sld xmlns:a="http://schemas.openxmlformats.org/drawingml/2006/main" xmlns:r="http://schemas.openxmlformats.org/officeDocument/2006/relationships" xmlns:p="http://schemas.openxmlformats.org/presentationml/2006/main">
   <p:cSld>
     <p:spTree>
@@ -5764,7 +6206,7 @@
 </p:sld>
 </file>
 
-<file path=ppt/slides/slide15.xml><?xml version="1.0" encoding="utf-8"?>
+<file path=ppt/slides/slide16.xml><?xml version="1.0" encoding="utf-8"?>
 <p:sld xmlns:a="http://schemas.openxmlformats.org/drawingml/2006/main" xmlns:r="http://schemas.openxmlformats.org/officeDocument/2006/relationships" xmlns:p="http://schemas.openxmlformats.org/presentationml/2006/main">
   <p:cSld>
     <p:spTree>
@@ -6091,7 +6533,7 @@
 </p:sld>
 </file>
 
-<file path=ppt/slides/slide16.xml><?xml version="1.0" encoding="utf-8"?>
+<file path=ppt/slides/slide17.xml><?xml version="1.0" encoding="utf-8"?>
 <p:sld xmlns:a="http://schemas.openxmlformats.org/drawingml/2006/main" xmlns:r="http://schemas.openxmlformats.org/officeDocument/2006/relationships" xmlns:p="http://schemas.openxmlformats.org/presentationml/2006/main">
   <p:cSld>
     <p:spTree>
@@ -6547,7 +6989,7 @@
 </p:sld>
 </file>
 
-<file path=ppt/slides/slide17.xml><?xml version="1.0" encoding="utf-8"?>
+<file path=ppt/slides/slide18.xml><?xml version="1.0" encoding="utf-8"?>
 <p:sld xmlns:a="http://schemas.openxmlformats.org/drawingml/2006/main" xmlns:r="http://schemas.openxmlformats.org/officeDocument/2006/relationships" xmlns:p="http://schemas.openxmlformats.org/presentationml/2006/main">
   <p:cSld>
     <p:spTree>
@@ -6732,7 +7174,7 @@
 </p:sld>
 </file>
 
-<file path=ppt/slides/slide18.xml><?xml version="1.0" encoding="utf-8"?>
+<file path=ppt/slides/slide19.xml><?xml version="1.0" encoding="utf-8"?>
 <p:sld xmlns:a="http://schemas.openxmlformats.org/drawingml/2006/main" xmlns:r="http://schemas.openxmlformats.org/officeDocument/2006/relationships" xmlns:p="http://schemas.openxmlformats.org/presentationml/2006/main">
   <p:cSld>
     <p:spTree>
@@ -6840,7 +7282,115 @@
 </p:sld>
 </file>
 
-<file path=ppt/slides/slide19.xml><?xml version="1.0" encoding="utf-8"?>
+<file path=ppt/slides/slide2.xml><?xml version="1.0" encoding="utf-8"?>
+<p:sld xmlns:a="http://schemas.openxmlformats.org/drawingml/2006/main" xmlns:r="http://schemas.openxmlformats.org/officeDocument/2006/relationships" xmlns:p="http://schemas.openxmlformats.org/presentationml/2006/main">
+  <p:cSld>
+    <p:spTree>
+      <p:nvGrpSpPr>
+        <p:cNvPr id="1" name=""/>
+        <p:cNvGrpSpPr/>
+        <p:nvPr/>
+      </p:nvGrpSpPr>
+      <p:grpSpPr>
+        <a:xfrm>
+          <a:off x="0" y="0"/>
+          <a:ext cx="0" cy="0"/>
+          <a:chOff x="0" y="0"/>
+          <a:chExt cx="0" cy="0"/>
+        </a:xfrm>
+      </p:grpSpPr>
+      <p:sp>
+        <p:nvSpPr>
+          <p:cNvPr id="2" name="Title 1">
+            <a:extLst>
+              <a:ext uri="{FF2B5EF4-FFF2-40B4-BE49-F238E27FC236}">
+                <a16:creationId xmlns:a16="http://schemas.microsoft.com/office/drawing/2014/main" id="{BEA6A380-698D-F04F-898D-CC6BD20937D1}"/>
+              </a:ext>
+            </a:extLst>
+          </p:cNvPr>
+          <p:cNvSpPr>
+            <a:spLocks noGrp="1"/>
+          </p:cNvSpPr>
+          <p:nvPr>
+            <p:ph type="title"/>
+          </p:nvPr>
+        </p:nvSpPr>
+        <p:spPr/>
+        <p:txBody>
+          <a:bodyPr/>
+          <a:lstStyle/>
+          <a:p>
+            <a:r>
+              <a:rPr lang="en-US" dirty="0"/>
+              <a:t>Reminder</a:t>
+            </a:r>
+          </a:p>
+        </p:txBody>
+      </p:sp>
+      <p:sp>
+        <p:nvSpPr>
+          <p:cNvPr id="3" name="Content Placeholder 2">
+            <a:extLst>
+              <a:ext uri="{FF2B5EF4-FFF2-40B4-BE49-F238E27FC236}">
+                <a16:creationId xmlns:a16="http://schemas.microsoft.com/office/drawing/2014/main" id="{E5144880-6285-A04C-B6DB-BE442B8A2762}"/>
+              </a:ext>
+            </a:extLst>
+          </p:cNvPr>
+          <p:cNvSpPr>
+            <a:spLocks noGrp="1"/>
+          </p:cNvSpPr>
+          <p:nvPr>
+            <p:ph idx="1"/>
+          </p:nvPr>
+        </p:nvSpPr>
+        <p:spPr/>
+        <p:txBody>
+          <a:bodyPr>
+            <a:normAutofit/>
+          </a:bodyPr>
+          <a:lstStyle/>
+          <a:p>
+            <a:r>
+              <a:rPr lang="en-US" sz="2400" dirty="0"/>
+              <a:t>It is your responsibility to submit your assignments on </a:t>
+            </a:r>
+            <a:r>
+              <a:rPr lang="en-US" sz="2400" dirty="0" err="1"/>
+              <a:t>Gradescope</a:t>
+            </a:r>
+            <a:r>
+              <a:rPr lang="en-US" sz="2400" dirty="0"/>
+              <a:t> (and quizzes on PLATO) on time</a:t>
+            </a:r>
+          </a:p>
+          <a:p>
+            <a:r>
+              <a:rPr lang="en-US" sz="2400" dirty="0"/>
+              <a:t>A lot of people are missing submissions – I will not track you down and I will not accept late assignments</a:t>
+            </a:r>
+          </a:p>
+          <a:p>
+            <a:pPr marL="0" indent="0">
+              <a:buNone/>
+            </a:pPr>
+            <a:endParaRPr lang="en-US" sz="2400" dirty="0"/>
+          </a:p>
+        </p:txBody>
+      </p:sp>
+    </p:spTree>
+    <p:extLst>
+      <p:ext uri="{BB962C8B-B14F-4D97-AF65-F5344CB8AC3E}">
+        <p14:creationId xmlns:p14="http://schemas.microsoft.com/office/powerpoint/2010/main" val="973025610"/>
+      </p:ext>
+    </p:extLst>
+  </p:cSld>
+  <p:clrMapOvr>
+    <a:masterClrMapping/>
+  </p:clrMapOvr>
+</p:sld>
+</file>
+
+<file path=ppt/slides/slide20.xml><?xml version="1.0" encoding="utf-8"?>
 <p:sld xmlns:a="http://schemas.openxmlformats.org/drawingml/2006/main" xmlns:r="http://schemas.openxmlformats.org/officeDocument/2006/relationships" xmlns:p="http://schemas.openxmlformats.org/presentationml/2006/main">
   <p:cSld>
     <p:spTree>
@@ -7674,7 +8224,7 @@
 </p:sld>
 </file>
 
-<file path=ppt/slides/slide2.xml><?xml version="1.0" encoding="utf-8"?>
+<file path=ppt/slides/slide21.xml><?xml version="1.0" encoding="utf-8"?>
 <p:sld xmlns:a="http://schemas.openxmlformats.org/drawingml/2006/main" xmlns:r="http://schemas.openxmlformats.org/officeDocument/2006/relationships" xmlns:p="http://schemas.openxmlformats.org/presentationml/2006/main">
   <p:cSld>
     <p:spTree>
@@ -7696,106 +8246,6 @@
           <p:cNvPr id="2" name="Title 1">
             <a:extLst>
               <a:ext uri="{FF2B5EF4-FFF2-40B4-BE49-F238E27FC236}">
-                <a16:creationId xmlns:a16="http://schemas.microsoft.com/office/drawing/2014/main" id="{BEA6A380-698D-F04F-898D-CC6BD20937D1}"/>
-              </a:ext>
-            </a:extLst>
-          </p:cNvPr>
-          <p:cNvSpPr>
-            <a:spLocks noGrp="1"/>
-          </p:cNvSpPr>
-          <p:nvPr>
-            <p:ph type="title"/>
-          </p:nvPr>
-        </p:nvSpPr>
-        <p:spPr/>
-        <p:txBody>
-          <a:bodyPr/>
-          <a:lstStyle/>
-          <a:p>
-            <a:r>
-              <a:rPr lang="en-US" dirty="0"/>
-              <a:t>Plan for Today</a:t>
-            </a:r>
-          </a:p>
-        </p:txBody>
-      </p:sp>
-      <p:sp>
-        <p:nvSpPr>
-          <p:cNvPr id="3" name="Content Placeholder 2">
-            <a:extLst>
-              <a:ext uri="{FF2B5EF4-FFF2-40B4-BE49-F238E27FC236}">
-                <a16:creationId xmlns:a16="http://schemas.microsoft.com/office/drawing/2014/main" id="{E5144880-6285-A04C-B6DB-BE442B8A2762}"/>
-              </a:ext>
-            </a:extLst>
-          </p:cNvPr>
-          <p:cNvSpPr>
-            <a:spLocks noGrp="1"/>
-          </p:cNvSpPr>
-          <p:nvPr>
-            <p:ph idx="1"/>
-          </p:nvPr>
-        </p:nvSpPr>
-        <p:spPr/>
-        <p:txBody>
-          <a:bodyPr>
-            <a:normAutofit/>
-          </a:bodyPr>
-          <a:lstStyle/>
-          <a:p>
-            <a:r>
-              <a:rPr lang="en-US" sz="2400" dirty="0"/>
-              <a:t>Motivating example: Towers of Hanoi</a:t>
-            </a:r>
-          </a:p>
-          <a:p>
-            <a:r>
-              <a:rPr lang="en-US" sz="2400" dirty="0"/>
-              <a:t>Tough problems, simple solutions</a:t>
-            </a:r>
-          </a:p>
-          <a:p>
-            <a:pPr marL="0" indent="0">
-              <a:buNone/>
-            </a:pPr>
-            <a:endParaRPr lang="en-US" sz="2400" dirty="0"/>
-          </a:p>
-        </p:txBody>
-      </p:sp>
-    </p:spTree>
-    <p:extLst>
-      <p:ext uri="{BB962C8B-B14F-4D97-AF65-F5344CB8AC3E}">
-        <p14:creationId xmlns:p14="http://schemas.microsoft.com/office/powerpoint/2010/main" val="973025610"/>
-      </p:ext>
-    </p:extLst>
-  </p:cSld>
-  <p:clrMapOvr>
-    <a:masterClrMapping/>
-  </p:clrMapOvr>
-</p:sld>
-</file>
-
-<file path=ppt/slides/slide20.xml><?xml version="1.0" encoding="utf-8"?>
-<p:sld xmlns:a="http://schemas.openxmlformats.org/drawingml/2006/main" xmlns:r="http://schemas.openxmlformats.org/officeDocument/2006/relationships" xmlns:p="http://schemas.openxmlformats.org/presentationml/2006/main">
-  <p:cSld>
-    <p:spTree>
-      <p:nvGrpSpPr>
-        <p:cNvPr id="1" name=""/>
-        <p:cNvGrpSpPr/>
-        <p:nvPr/>
-      </p:nvGrpSpPr>
-      <p:grpSpPr>
-        <a:xfrm>
-          <a:off x="0" y="0"/>
-          <a:ext cx="0" cy="0"/>
-          <a:chOff x="0" y="0"/>
-          <a:chExt cx="0" cy="0"/>
-        </a:xfrm>
-      </p:grpSpPr>
-      <p:sp>
-        <p:nvSpPr>
-          <p:cNvPr id="2" name="Title 1">
-            <a:extLst>
-              <a:ext uri="{FF2B5EF4-FFF2-40B4-BE49-F238E27FC236}">
                 <a16:creationId xmlns:a16="http://schemas.microsoft.com/office/drawing/2014/main" id="{3EDE0882-2A44-A446-9D3E-B109CE663D94}"/>
               </a:ext>
             </a:extLst>
@@ -7876,7 +8326,7 @@
 </p:sld>
 </file>
 
-<file path=ppt/slides/slide21.xml><?xml version="1.0" encoding="utf-8"?>
+<file path=ppt/slides/slide22.xml><?xml version="1.0" encoding="utf-8"?>
 <p:sld xmlns:a="http://schemas.openxmlformats.org/drawingml/2006/main" xmlns:r="http://schemas.openxmlformats.org/officeDocument/2006/relationships" xmlns:p="http://schemas.openxmlformats.org/presentationml/2006/main">
   <p:cSld>
     <p:spTree>
@@ -8020,6 +8470,106 @@
 </file>
 
 <file path=ppt/slides/slide3.xml><?xml version="1.0" encoding="utf-8"?>
+<p:sld xmlns:a="http://schemas.openxmlformats.org/drawingml/2006/main" xmlns:r="http://schemas.openxmlformats.org/officeDocument/2006/relationships" xmlns:p="http://schemas.openxmlformats.org/presentationml/2006/main">
+  <p:cSld>
+    <p:spTree>
+      <p:nvGrpSpPr>
+        <p:cNvPr id="1" name=""/>
+        <p:cNvGrpSpPr/>
+        <p:nvPr/>
+      </p:nvGrpSpPr>
+      <p:grpSpPr>
+        <a:xfrm>
+          <a:off x="0" y="0"/>
+          <a:ext cx="0" cy="0"/>
+          <a:chOff x="0" y="0"/>
+          <a:chExt cx="0" cy="0"/>
+        </a:xfrm>
+      </p:grpSpPr>
+      <p:sp>
+        <p:nvSpPr>
+          <p:cNvPr id="2" name="Title 1">
+            <a:extLst>
+              <a:ext uri="{FF2B5EF4-FFF2-40B4-BE49-F238E27FC236}">
+                <a16:creationId xmlns:a16="http://schemas.microsoft.com/office/drawing/2014/main" id="{BEA6A380-698D-F04F-898D-CC6BD20937D1}"/>
+              </a:ext>
+            </a:extLst>
+          </p:cNvPr>
+          <p:cNvSpPr>
+            <a:spLocks noGrp="1"/>
+          </p:cNvSpPr>
+          <p:nvPr>
+            <p:ph type="title"/>
+          </p:nvPr>
+        </p:nvSpPr>
+        <p:spPr/>
+        <p:txBody>
+          <a:bodyPr/>
+          <a:lstStyle/>
+          <a:p>
+            <a:r>
+              <a:rPr lang="en-US" dirty="0"/>
+              <a:t>Plan for Today</a:t>
+            </a:r>
+          </a:p>
+        </p:txBody>
+      </p:sp>
+      <p:sp>
+        <p:nvSpPr>
+          <p:cNvPr id="3" name="Content Placeholder 2">
+            <a:extLst>
+              <a:ext uri="{FF2B5EF4-FFF2-40B4-BE49-F238E27FC236}">
+                <a16:creationId xmlns:a16="http://schemas.microsoft.com/office/drawing/2014/main" id="{E5144880-6285-A04C-B6DB-BE442B8A2762}"/>
+              </a:ext>
+            </a:extLst>
+          </p:cNvPr>
+          <p:cNvSpPr>
+            <a:spLocks noGrp="1"/>
+          </p:cNvSpPr>
+          <p:nvPr>
+            <p:ph idx="1"/>
+          </p:nvPr>
+        </p:nvSpPr>
+        <p:spPr/>
+        <p:txBody>
+          <a:bodyPr>
+            <a:normAutofit/>
+          </a:bodyPr>
+          <a:lstStyle/>
+          <a:p>
+            <a:r>
+              <a:rPr lang="en-US" sz="2400" dirty="0"/>
+              <a:t>Motivating example: Towers of Hanoi</a:t>
+            </a:r>
+          </a:p>
+          <a:p>
+            <a:r>
+              <a:rPr lang="en-US" sz="2400" dirty="0"/>
+              <a:t>Tough problems, simple solutions</a:t>
+            </a:r>
+          </a:p>
+          <a:p>
+            <a:pPr marL="0" indent="0">
+              <a:buNone/>
+            </a:pPr>
+            <a:endParaRPr lang="en-US" sz="2400" dirty="0"/>
+          </a:p>
+        </p:txBody>
+      </p:sp>
+    </p:spTree>
+    <p:extLst>
+      <p:ext uri="{BB962C8B-B14F-4D97-AF65-F5344CB8AC3E}">
+        <p14:creationId xmlns:p14="http://schemas.microsoft.com/office/powerpoint/2010/main" val="3845094784"/>
+      </p:ext>
+    </p:extLst>
+  </p:cSld>
+  <p:clrMapOvr>
+    <a:masterClrMapping/>
+  </p:clrMapOvr>
+</p:sld>
+</file>
+
+<file path=ppt/slides/slide4.xml><?xml version="1.0" encoding="utf-8"?>
 <p:sld xmlns:a="http://schemas.openxmlformats.org/drawingml/2006/main" xmlns:r="http://schemas.openxmlformats.org/officeDocument/2006/relationships" xmlns:p="http://schemas.openxmlformats.org/presentationml/2006/main">
   <p:cSld>
     <p:spTree>
@@ -8475,7 +9025,7 @@
 </p:sld>
 </file>
 
-<file path=ppt/slides/slide4.xml><?xml version="1.0" encoding="utf-8"?>
+<file path=ppt/slides/slide5.xml><?xml version="1.0" encoding="utf-8"?>
 <p:sld xmlns:a="http://schemas.openxmlformats.org/drawingml/2006/main" xmlns:r="http://schemas.openxmlformats.org/officeDocument/2006/relationships" xmlns:p="http://schemas.openxmlformats.org/presentationml/2006/main">
   <p:cSld>
     <p:spTree>
@@ -8583,7 +9133,7 @@
 </p:sld>
 </file>
 
-<file path=ppt/slides/slide5.xml><?xml version="1.0" encoding="utf-8"?>
+<file path=ppt/slides/slide6.xml><?xml version="1.0" encoding="utf-8"?>
 <p:sld xmlns:a="http://schemas.openxmlformats.org/drawingml/2006/main" xmlns:r="http://schemas.openxmlformats.org/officeDocument/2006/relationships" xmlns:p="http://schemas.openxmlformats.org/presentationml/2006/main">
   <p:cSld>
     <p:spTree>
@@ -8892,7 +9442,7 @@
 </p:sld>
 </file>
 
-<file path=ppt/slides/slide6.xml><?xml version="1.0" encoding="utf-8"?>
+<file path=ppt/slides/slide7.xml><?xml version="1.0" encoding="utf-8"?>
 <p:sld xmlns:a="http://schemas.openxmlformats.org/drawingml/2006/main" xmlns:r="http://schemas.openxmlformats.org/officeDocument/2006/relationships" xmlns:p="http://schemas.openxmlformats.org/presentationml/2006/main">
   <p:cSld>
     <p:spTree>
@@ -9135,7 +9685,7 @@
 </p:sld>
 </file>
 
-<file path=ppt/slides/slide7.xml><?xml version="1.0" encoding="utf-8"?>
+<file path=ppt/slides/slide8.xml><?xml version="1.0" encoding="utf-8"?>
 <p:sld xmlns:a="http://schemas.openxmlformats.org/drawingml/2006/main" xmlns:r="http://schemas.openxmlformats.org/officeDocument/2006/relationships" xmlns:p="http://schemas.openxmlformats.org/presentationml/2006/main">
   <p:cSld>
     <p:spTree>
@@ -9516,7 +10066,7 @@
 </p:sld>
 </file>
 
-<file path=ppt/slides/slide8.xml><?xml version="1.0" encoding="utf-8"?>
+<file path=ppt/slides/slide9.xml><?xml version="1.0" encoding="utf-8"?>
 <p:sld xmlns:a="http://schemas.openxmlformats.org/drawingml/2006/main" xmlns:r="http://schemas.openxmlformats.org/officeDocument/2006/relationships" xmlns:p="http://schemas.openxmlformats.org/presentationml/2006/main">
   <p:cSld>
     <p:spTree>
@@ -9734,447 +10284,6 @@
     <p:extLst>
       <p:ext uri="{BB962C8B-B14F-4D97-AF65-F5344CB8AC3E}">
         <p14:creationId xmlns:p14="http://schemas.microsoft.com/office/powerpoint/2010/main" val="1227237591"/>
-      </p:ext>
-    </p:extLst>
-  </p:cSld>
-  <p:clrMapOvr>
-    <a:masterClrMapping/>
-  </p:clrMapOvr>
-</p:sld>
-</file>
-
-<file path=ppt/slides/slide9.xml><?xml version="1.0" encoding="utf-8"?>
-<p:sld xmlns:a="http://schemas.openxmlformats.org/drawingml/2006/main" xmlns:r="http://schemas.openxmlformats.org/officeDocument/2006/relationships" xmlns:p="http://schemas.openxmlformats.org/presentationml/2006/main">
-  <p:cSld>
-    <p:spTree>
-      <p:nvGrpSpPr>
-        <p:cNvPr id="1" name=""/>
-        <p:cNvGrpSpPr/>
-        <p:nvPr/>
-      </p:nvGrpSpPr>
-      <p:grpSpPr>
-        <a:xfrm>
-          <a:off x="0" y="0"/>
-          <a:ext cx="0" cy="0"/>
-          <a:chOff x="0" y="0"/>
-          <a:chExt cx="0" cy="0"/>
-        </a:xfrm>
-      </p:grpSpPr>
-      <p:pic>
-        <p:nvPicPr>
-          <p:cNvPr id="4" name="Picture 3">
-            <a:extLst>
-              <a:ext uri="{FF2B5EF4-FFF2-40B4-BE49-F238E27FC236}">
-                <a16:creationId xmlns:a16="http://schemas.microsoft.com/office/drawing/2014/main" id="{269B39A4-B0C8-3049-B008-306CB4647E4C}"/>
-              </a:ext>
-            </a:extLst>
-          </p:cNvPr>
-          <p:cNvPicPr>
-            <a:picLocks noChangeAspect="1"/>
-          </p:cNvPicPr>
-          <p:nvPr/>
-        </p:nvPicPr>
-        <p:blipFill>
-          <a:blip r:embed="rId2"/>
-          <a:stretch>
-            <a:fillRect/>
-          </a:stretch>
-        </p:blipFill>
-        <p:spPr>
-          <a:xfrm>
-            <a:off x="4678796" y="2368550"/>
-            <a:ext cx="5549900" cy="2120900"/>
-          </a:xfrm>
-          <a:prstGeom prst="rect">
-            <a:avLst/>
-          </a:prstGeom>
-        </p:spPr>
-      </p:pic>
-      <p:sp>
-        <p:nvSpPr>
-          <p:cNvPr id="5" name="Rectangle 4">
-            <a:extLst>
-              <a:ext uri="{FF2B5EF4-FFF2-40B4-BE49-F238E27FC236}">
-                <a16:creationId xmlns:a16="http://schemas.microsoft.com/office/drawing/2014/main" id="{8D9320D7-819D-3A4D-BB36-7134D00219AE}"/>
-              </a:ext>
-            </a:extLst>
-          </p:cNvPr>
-          <p:cNvSpPr/>
-          <p:nvPr/>
-        </p:nvSpPr>
-        <p:spPr>
-          <a:xfrm>
-            <a:off x="4678797" y="2368551"/>
-            <a:ext cx="1557915" cy="1473119"/>
-          </a:xfrm>
-          <a:prstGeom prst="rect">
-            <a:avLst/>
-          </a:prstGeom>
-          <a:solidFill>
-            <a:schemeClr val="bg1"/>
-          </a:solidFill>
-          <a:ln>
-            <a:noFill/>
-          </a:ln>
-        </p:spPr>
-        <p:style>
-          <a:lnRef idx="2">
-            <a:schemeClr val="accent1">
-              <a:shade val="50000"/>
-            </a:schemeClr>
-          </a:lnRef>
-          <a:fillRef idx="1">
-            <a:schemeClr val="accent1"/>
-          </a:fillRef>
-          <a:effectRef idx="0">
-            <a:schemeClr val="accent1"/>
-          </a:effectRef>
-          <a:fontRef idx="minor">
-            <a:schemeClr val="lt1"/>
-          </a:fontRef>
-        </p:style>
-        <p:txBody>
-          <a:bodyPr rtlCol="0" anchor="ctr"/>
-          <a:lstStyle/>
-          <a:p>
-            <a:pPr algn="ctr"/>
-            <a:endParaRPr lang="en-US"/>
-          </a:p>
-        </p:txBody>
-      </p:sp>
-      <p:sp>
-        <p:nvSpPr>
-          <p:cNvPr id="9" name="Rectangle 8">
-            <a:extLst>
-              <a:ext uri="{FF2B5EF4-FFF2-40B4-BE49-F238E27FC236}">
-                <a16:creationId xmlns:a16="http://schemas.microsoft.com/office/drawing/2014/main" id="{14B6385D-11C7-3D47-BB95-014FC475EBED}"/>
-              </a:ext>
-            </a:extLst>
-          </p:cNvPr>
-          <p:cNvSpPr/>
-          <p:nvPr/>
-        </p:nvSpPr>
-        <p:spPr>
-          <a:xfrm>
-            <a:off x="6674789" y="2766952"/>
-            <a:ext cx="1557915" cy="1074716"/>
-          </a:xfrm>
-          <a:prstGeom prst="rect">
-            <a:avLst/>
-          </a:prstGeom>
-          <a:solidFill>
-            <a:schemeClr val="bg1"/>
-          </a:solidFill>
-          <a:ln>
-            <a:noFill/>
-          </a:ln>
-        </p:spPr>
-        <p:style>
-          <a:lnRef idx="2">
-            <a:schemeClr val="accent1">
-              <a:shade val="50000"/>
-            </a:schemeClr>
-          </a:lnRef>
-          <a:fillRef idx="1">
-            <a:schemeClr val="accent1"/>
-          </a:fillRef>
-          <a:effectRef idx="0">
-            <a:schemeClr val="accent1"/>
-          </a:effectRef>
-          <a:fontRef idx="minor">
-            <a:schemeClr val="lt1"/>
-          </a:fontRef>
-        </p:style>
-        <p:txBody>
-          <a:bodyPr rtlCol="0" anchor="ctr"/>
-          <a:lstStyle/>
-          <a:p>
-            <a:pPr algn="ctr"/>
-            <a:endParaRPr lang="en-US"/>
-          </a:p>
-        </p:txBody>
-      </p:sp>
-      <p:pic>
-        <p:nvPicPr>
-          <p:cNvPr id="6" name="Picture 5">
-            <a:extLst>
-              <a:ext uri="{FF2B5EF4-FFF2-40B4-BE49-F238E27FC236}">
-                <a16:creationId xmlns:a16="http://schemas.microsoft.com/office/drawing/2014/main" id="{9F78F41A-81B8-154D-8136-D222E3297CDE}"/>
-              </a:ext>
-            </a:extLst>
-          </p:cNvPr>
-          <p:cNvPicPr>
-            <a:picLocks noChangeAspect="1"/>
-          </p:cNvPicPr>
-          <p:nvPr/>
-        </p:nvPicPr>
-        <p:blipFill rotWithShape="1">
-          <a:blip r:embed="rId2">
-            <a:clrChange>
-              <a:clrFrom>
-                <a:srgbClr val="FFFFFF"/>
-              </a:clrFrom>
-              <a:clrTo>
-                <a:srgbClr val="FFFFFF">
-                  <a:alpha val="0"/>
-                </a:srgbClr>
-              </a:clrTo>
-            </a:clrChange>
-          </a:blip>
-          <a:srcRect l="1859" t="5540" r="74971" b="43788"/>
-          <a:stretch/>
-        </p:blipFill>
-        <p:spPr>
-          <a:xfrm>
-            <a:off x="6779226" y="2766953"/>
-            <a:ext cx="1285875" cy="1074717"/>
-          </a:xfrm>
-          <a:prstGeom prst="rect">
-            <a:avLst/>
-          </a:prstGeom>
-          <a:effectLst>
-            <a:glow rad="101600">
-              <a:srgbClr val="FF9100">
-                <a:alpha val="60000"/>
-              </a:srgbClr>
-            </a:glow>
-          </a:effectLst>
-        </p:spPr>
-      </p:pic>
-      <p:pic>
-        <p:nvPicPr>
-          <p:cNvPr id="10" name="Picture 9">
-            <a:extLst>
-              <a:ext uri="{FF2B5EF4-FFF2-40B4-BE49-F238E27FC236}">
-                <a16:creationId xmlns:a16="http://schemas.microsoft.com/office/drawing/2014/main" id="{6E08034D-738A-A348-B660-E0F8252E68C5}"/>
-              </a:ext>
-            </a:extLst>
-          </p:cNvPr>
-          <p:cNvPicPr>
-            <a:picLocks noChangeAspect="1"/>
-          </p:cNvPicPr>
-          <p:nvPr/>
-        </p:nvPicPr>
-        <p:blipFill rotWithShape="1">
-          <a:blip r:embed="rId2"/>
-          <a:srcRect l="81922" t="1" r="1" b="30541"/>
-          <a:stretch/>
-        </p:blipFill>
-        <p:spPr>
-          <a:xfrm>
-            <a:off x="5233411" y="2368551"/>
-            <a:ext cx="1003300" cy="1473119"/>
-          </a:xfrm>
-          <a:prstGeom prst="rect">
-            <a:avLst/>
-          </a:prstGeom>
-        </p:spPr>
-      </p:pic>
-      <p:pic>
-        <p:nvPicPr>
-          <p:cNvPr id="8" name="Picture 7">
-            <a:extLst>
-              <a:ext uri="{FF2B5EF4-FFF2-40B4-BE49-F238E27FC236}">
-                <a16:creationId xmlns:a16="http://schemas.microsoft.com/office/drawing/2014/main" id="{87F5DED9-7234-344B-88AA-DAE77032417D}"/>
-              </a:ext>
-            </a:extLst>
-          </p:cNvPr>
-          <p:cNvPicPr>
-            <a:picLocks noChangeAspect="1"/>
-          </p:cNvPicPr>
-          <p:nvPr/>
-        </p:nvPicPr>
-        <p:blipFill rotWithShape="1">
-          <a:blip r:embed="rId2"/>
-          <a:srcRect l="1880" t="57410" r="74199" b="30543"/>
-          <a:stretch/>
-        </p:blipFill>
-        <p:spPr>
-          <a:xfrm>
-            <a:off x="8764501" y="3586163"/>
-            <a:ext cx="1327604" cy="255507"/>
-          </a:xfrm>
-          <a:prstGeom prst="rect">
-            <a:avLst/>
-          </a:prstGeom>
-        </p:spPr>
-      </p:pic>
-      <p:sp>
-        <p:nvSpPr>
-          <p:cNvPr id="2" name="Title 1">
-            <a:extLst>
-              <a:ext uri="{FF2B5EF4-FFF2-40B4-BE49-F238E27FC236}">
-                <a16:creationId xmlns:a16="http://schemas.microsoft.com/office/drawing/2014/main" id="{02B878CA-875E-0C49-AA85-FA1C8FC43401}"/>
-              </a:ext>
-            </a:extLst>
-          </p:cNvPr>
-          <p:cNvSpPr>
-            <a:spLocks noGrp="1"/>
-          </p:cNvSpPr>
-          <p:nvPr>
-            <p:ph type="title"/>
-          </p:nvPr>
-        </p:nvSpPr>
-        <p:spPr/>
-        <p:txBody>
-          <a:bodyPr/>
-          <a:lstStyle/>
-          <a:p>
-            <a:r>
-              <a:rPr lang="en-US" dirty="0"/>
-              <a:t>Recursive Towers</a:t>
-            </a:r>
-          </a:p>
-        </p:txBody>
-      </p:sp>
-      <p:grpSp>
-        <p:nvGrpSpPr>
-          <p:cNvPr id="11" name="Group 10">
-            <a:extLst>
-              <a:ext uri="{FF2B5EF4-FFF2-40B4-BE49-F238E27FC236}">
-                <a16:creationId xmlns:a16="http://schemas.microsoft.com/office/drawing/2014/main" id="{D677E58B-81BF-0749-A816-8E0D6C338817}"/>
-              </a:ext>
-            </a:extLst>
-          </p:cNvPr>
-          <p:cNvGrpSpPr/>
-          <p:nvPr/>
-        </p:nvGrpSpPr>
-        <p:grpSpPr>
-          <a:xfrm>
-            <a:off x="5666945" y="1876483"/>
-            <a:ext cx="1732199" cy="1490217"/>
-            <a:chOff x="3132608" y="1004606"/>
-            <a:chExt cx="1732199" cy="1490217"/>
-          </a:xfrm>
-        </p:grpSpPr>
-        <p:sp>
-          <p:nvSpPr>
-            <p:cNvPr id="12" name="TextBox 11">
-              <a:extLst>
-                <a:ext uri="{FF2B5EF4-FFF2-40B4-BE49-F238E27FC236}">
-                  <a16:creationId xmlns:a16="http://schemas.microsoft.com/office/drawing/2014/main" id="{B9F214E2-4921-574A-93F5-6D4A01BD032D}"/>
-                </a:ext>
-              </a:extLst>
-            </p:cNvPr>
-            <p:cNvSpPr txBox="1"/>
-            <p:nvPr/>
-          </p:nvSpPr>
-          <p:spPr>
-            <a:xfrm>
-              <a:off x="3132608" y="1004606"/>
-              <a:ext cx="1517200" cy="830997"/>
-            </a:xfrm>
-            <a:prstGeom prst="rect">
-              <a:avLst/>
-            </a:prstGeom>
-            <a:noFill/>
-          </p:spPr>
-          <p:txBody>
-            <a:bodyPr wrap="square" rtlCol="0">
-              <a:spAutoFit/>
-            </a:bodyPr>
-            <a:lstStyle/>
-            <a:p>
-              <a:pPr algn="ctr"/>
-              <a:r>
-                <a:rPr lang="en-US" sz="1600" dirty="0">
-                  <a:solidFill>
-                    <a:srgbClr val="003470"/>
-                  </a:solidFill>
-                </a:rPr>
-                <a:t>solve this</a:t>
-              </a:r>
-            </a:p>
-            <a:p>
-              <a:pPr algn="ctr"/>
-              <a:r>
-                <a:rPr lang="en-US" sz="1600" b="1" dirty="0">
-                  <a:solidFill>
-                    <a:srgbClr val="003470"/>
-                  </a:solidFill>
-                </a:rPr>
-                <a:t>subproblem </a:t>
-              </a:r>
-              <a:r>
-                <a:rPr lang="en-US" sz="1600" dirty="0">
-                  <a:solidFill>
-                    <a:srgbClr val="003470"/>
-                  </a:solidFill>
-                </a:rPr>
-                <a:t>again</a:t>
-              </a:r>
-            </a:p>
-          </p:txBody>
-        </p:sp>
-        <p:sp>
-          <p:nvSpPr>
-            <p:cNvPr id="13" name="Circular Arrow 12">
-              <a:extLst>
-                <a:ext uri="{FF2B5EF4-FFF2-40B4-BE49-F238E27FC236}">
-                  <a16:creationId xmlns:a16="http://schemas.microsoft.com/office/drawing/2014/main" id="{AD88F282-91A0-DD42-9ED8-E36FFB010424}"/>
-                </a:ext>
-              </a:extLst>
-            </p:cNvPr>
-            <p:cNvSpPr/>
-            <p:nvPr/>
-          </p:nvSpPr>
-          <p:spPr>
-            <a:xfrm rot="16200000" flipH="1">
-              <a:off x="3662407" y="1292423"/>
-              <a:ext cx="1199497" cy="1205303"/>
-            </a:xfrm>
-            <a:prstGeom prst="circularArrow">
-              <a:avLst>
-                <a:gd name="adj1" fmla="val 1411"/>
-                <a:gd name="adj2" fmla="val 1563058"/>
-                <a:gd name="adj3" fmla="val 20880751"/>
-                <a:gd name="adj4" fmla="val 16659497"/>
-                <a:gd name="adj5" fmla="val 7233"/>
-              </a:avLst>
-            </a:prstGeom>
-            <a:solidFill>
-              <a:srgbClr val="003470"/>
-            </a:solidFill>
-            <a:ln cap="rnd">
-              <a:solidFill>
-                <a:srgbClr val="003470"/>
-              </a:solidFill>
-            </a:ln>
-          </p:spPr>
-          <p:style>
-            <a:lnRef idx="2">
-              <a:schemeClr val="accent1">
-                <a:shade val="50000"/>
-              </a:schemeClr>
-            </a:lnRef>
-            <a:fillRef idx="1">
-              <a:schemeClr val="accent1"/>
-            </a:fillRef>
-            <a:effectRef idx="0">
-              <a:schemeClr val="accent1"/>
-            </a:effectRef>
-            <a:fontRef idx="minor">
-              <a:schemeClr val="lt1"/>
-            </a:fontRef>
-          </p:style>
-          <p:txBody>
-            <a:bodyPr rtlCol="0" anchor="ctr"/>
-            <a:lstStyle/>
-            <a:p>
-              <a:pPr algn="ctr"/>
-              <a:endParaRPr lang="en-US" dirty="0">
-                <a:solidFill>
-                  <a:schemeClr val="tx1"/>
-                </a:solidFill>
-              </a:endParaRPr>
-            </a:p>
-          </p:txBody>
-        </p:sp>
-      </p:grpSp>
-    </p:spTree>
-    <p:extLst>
-      <p:ext uri="{BB962C8B-B14F-4D97-AF65-F5344CB8AC3E}">
-        <p14:creationId xmlns:p14="http://schemas.microsoft.com/office/powerpoint/2010/main" val="2490095949"/>
       </p:ext>
     </p:extLst>
   </p:cSld>
